--- a/Offline/BusinessManagement/MarketingArtworks/A-4-Div-2-Flyers.pptx
+++ b/Offline/BusinessManagement/MarketingArtworks/A-4-Div-2-Flyers.pptx
@@ -2980,7 +2980,7 @@
           <p:cNvPr id="32" name="Rectangle 31">
             <a:extLst>
               <a:ext uri="{FF2B5EF4-FFF2-40B4-BE49-F238E27FC236}">
-                <a16:creationId xmlns:a16="http://schemas.microsoft.com/office/drawing/2014/main" id="{6FD07585-4CE8-1E0E-B98A-A412FDBDCACE}"/>
+                <a16:creationId xmlns="" xmlns:a16="http://schemas.microsoft.com/office/drawing/2014/main" id="{6FD07585-4CE8-1E0E-B98A-A412FDBDCACE}"/>
               </a:ext>
             </a:extLst>
           </p:cNvPr>
@@ -3063,7 +3063,7 @@
           <p:cNvPr id="33" name="Rectangle 32">
             <a:extLst>
               <a:ext uri="{FF2B5EF4-FFF2-40B4-BE49-F238E27FC236}">
-                <a16:creationId xmlns:a16="http://schemas.microsoft.com/office/drawing/2014/main" id="{7C2B0F2A-9513-D92B-CDCA-4F9D7345A925}"/>
+                <a16:creationId xmlns="" xmlns:a16="http://schemas.microsoft.com/office/drawing/2014/main" id="{7C2B0F2A-9513-D92B-CDCA-4F9D7345A925}"/>
               </a:ext>
             </a:extLst>
           </p:cNvPr>
@@ -3146,7 +3146,7 @@
           <p:cNvPr id="31" name="Rectangle 30">
             <a:extLst>
               <a:ext uri="{FF2B5EF4-FFF2-40B4-BE49-F238E27FC236}">
-                <a16:creationId xmlns:a16="http://schemas.microsoft.com/office/drawing/2014/main" id="{F9828DF2-D9B0-24C9-EFB7-DD99C45D7663}"/>
+                <a16:creationId xmlns="" xmlns:a16="http://schemas.microsoft.com/office/drawing/2014/main" id="{F9828DF2-D9B0-24C9-EFB7-DD99C45D7663}"/>
               </a:ext>
             </a:extLst>
           </p:cNvPr>
@@ -3198,7 +3198,7 @@
           <p:cNvPr id="34" name="Rectangle 33">
             <a:extLst>
               <a:ext uri="{FF2B5EF4-FFF2-40B4-BE49-F238E27FC236}">
-                <a16:creationId xmlns:a16="http://schemas.microsoft.com/office/drawing/2014/main" id="{980D600D-964F-E03B-0E58-24E5445644FF}"/>
+                <a16:creationId xmlns="" xmlns:a16="http://schemas.microsoft.com/office/drawing/2014/main" id="{980D600D-964F-E03B-0E58-24E5445644FF}"/>
               </a:ext>
             </a:extLst>
           </p:cNvPr>
@@ -3250,7 +3250,7 @@
           <p:cNvPr id="35" name="TextBox 34">
             <a:extLst>
               <a:ext uri="{FF2B5EF4-FFF2-40B4-BE49-F238E27FC236}">
-                <a16:creationId xmlns:a16="http://schemas.microsoft.com/office/drawing/2014/main" id="{88511112-3AF1-BB6D-3324-E1F486B46D93}"/>
+                <a16:creationId xmlns="" xmlns:a16="http://schemas.microsoft.com/office/drawing/2014/main" id="{88511112-3AF1-BB6D-3324-E1F486B46D93}"/>
               </a:ext>
             </a:extLst>
           </p:cNvPr>
@@ -3450,7 +3450,7 @@
           <p:cNvPr id="37" name="Picture 36">
             <a:extLst>
               <a:ext uri="{FF2B5EF4-FFF2-40B4-BE49-F238E27FC236}">
-                <a16:creationId xmlns:a16="http://schemas.microsoft.com/office/drawing/2014/main" id="{D13BAB8D-0C75-5C9B-289B-F080AFE21617}"/>
+                <a16:creationId xmlns="" xmlns:a16="http://schemas.microsoft.com/office/drawing/2014/main" id="{D13BAB8D-0C75-5C9B-289B-F080AFE21617}"/>
               </a:ext>
             </a:extLst>
           </p:cNvPr>
@@ -3486,7 +3486,7 @@
           <p:cNvPr id="38" name="Picture 37">
             <a:extLst>
               <a:ext uri="{FF2B5EF4-FFF2-40B4-BE49-F238E27FC236}">
-                <a16:creationId xmlns:a16="http://schemas.microsoft.com/office/drawing/2014/main" id="{806CC636-3E38-63A3-5FB8-CA6E75F5ACB5}"/>
+                <a16:creationId xmlns="" xmlns:a16="http://schemas.microsoft.com/office/drawing/2014/main" id="{806CC636-3E38-63A3-5FB8-CA6E75F5ACB5}"/>
               </a:ext>
             </a:extLst>
           </p:cNvPr>
@@ -3522,7 +3522,7 @@
           <p:cNvPr id="40" name="Picture 39">
             <a:extLst>
               <a:ext uri="{FF2B5EF4-FFF2-40B4-BE49-F238E27FC236}">
-                <a16:creationId xmlns:a16="http://schemas.microsoft.com/office/drawing/2014/main" id="{10A04248-B482-BC64-840E-842BA52E33B6}"/>
+                <a16:creationId xmlns="" xmlns:a16="http://schemas.microsoft.com/office/drawing/2014/main" id="{10A04248-B482-BC64-840E-842BA52E33B6}"/>
               </a:ext>
             </a:extLst>
           </p:cNvPr>
@@ -3532,7 +3532,7 @@
           <p:nvPr/>
         </p:nvPicPr>
         <p:blipFill>
-          <a:blip r:embed="rId2">
+          <a:blip r:embed="rId3" cstate="print">
             <a:extLst>
               <a:ext uri="{28A0092B-C50C-407E-A947-70E740481C1C}">
                 <a14:useLocalDpi xmlns:a14="http://schemas.microsoft.com/office/drawing/2010/main" val="0"/>
@@ -3558,7 +3558,7 @@
           <p:cNvPr id="41" name="Picture 40">
             <a:extLst>
               <a:ext uri="{FF2B5EF4-FFF2-40B4-BE49-F238E27FC236}">
-                <a16:creationId xmlns:a16="http://schemas.microsoft.com/office/drawing/2014/main" id="{19DA6BEB-E5B2-1E56-1153-DE968BE67F69}"/>
+                <a16:creationId xmlns="" xmlns:a16="http://schemas.microsoft.com/office/drawing/2014/main" id="{19DA6BEB-E5B2-1E56-1153-DE968BE67F69}"/>
               </a:ext>
             </a:extLst>
           </p:cNvPr>
@@ -3568,7 +3568,7 @@
           <p:nvPr/>
         </p:nvPicPr>
         <p:blipFill>
-          <a:blip r:embed="rId2">
+          <a:blip r:embed="rId4" cstate="print">
             <a:extLst>
               <a:ext uri="{28A0092B-C50C-407E-A947-70E740481C1C}">
                 <a14:useLocalDpi xmlns:a14="http://schemas.microsoft.com/office/drawing/2010/main" val="0"/>
@@ -3594,7 +3594,7 @@
           <p:cNvPr id="42" name="Picture 41">
             <a:extLst>
               <a:ext uri="{FF2B5EF4-FFF2-40B4-BE49-F238E27FC236}">
-                <a16:creationId xmlns:a16="http://schemas.microsoft.com/office/drawing/2014/main" id="{0F4AB4FE-ADE4-3F7C-88C5-14C5FF1B09D2}"/>
+                <a16:creationId xmlns="" xmlns:a16="http://schemas.microsoft.com/office/drawing/2014/main" id="{0F4AB4FE-ADE4-3F7C-88C5-14C5FF1B09D2}"/>
               </a:ext>
             </a:extLst>
           </p:cNvPr>
@@ -3604,7 +3604,7 @@
           <p:nvPr/>
         </p:nvPicPr>
         <p:blipFill>
-          <a:blip r:embed="rId4">
+          <a:blip r:embed="rId5" cstate="print">
             <a:extLst>
               <a:ext uri="{28A0092B-C50C-407E-A947-70E740481C1C}">
                 <a14:useLocalDpi xmlns:a14="http://schemas.microsoft.com/office/drawing/2010/main" val="0"/>
@@ -3630,7 +3630,7 @@
           <p:cNvPr id="43" name="Picture 42">
             <a:extLst>
               <a:ext uri="{FF2B5EF4-FFF2-40B4-BE49-F238E27FC236}">
-                <a16:creationId xmlns:a16="http://schemas.microsoft.com/office/drawing/2014/main" id="{B0FFB43D-C27C-7DCF-F339-491B6CE33257}"/>
+                <a16:creationId xmlns="" xmlns:a16="http://schemas.microsoft.com/office/drawing/2014/main" id="{B0FFB43D-C27C-7DCF-F339-491B6CE33257}"/>
               </a:ext>
             </a:extLst>
           </p:cNvPr>
@@ -3640,7 +3640,7 @@
           <p:nvPr/>
         </p:nvPicPr>
         <p:blipFill>
-          <a:blip r:embed="rId4">
+          <a:blip r:embed="rId6" cstate="print">
             <a:extLst>
               <a:ext uri="{28A0092B-C50C-407E-A947-70E740481C1C}">
                 <a14:useLocalDpi xmlns:a14="http://schemas.microsoft.com/office/drawing/2010/main" val="0"/>
@@ -3666,7 +3666,7 @@
           <p:cNvPr id="44" name="Picture 43">
             <a:extLst>
               <a:ext uri="{FF2B5EF4-FFF2-40B4-BE49-F238E27FC236}">
-                <a16:creationId xmlns:a16="http://schemas.microsoft.com/office/drawing/2014/main" id="{C2C5806E-BB72-FD1D-127F-5F380EF6A3DF}"/>
+                <a16:creationId xmlns="" xmlns:a16="http://schemas.microsoft.com/office/drawing/2014/main" id="{C2C5806E-BB72-FD1D-127F-5F380EF6A3DF}"/>
               </a:ext>
             </a:extLst>
           </p:cNvPr>
@@ -3676,7 +3676,7 @@
           <p:nvPr/>
         </p:nvPicPr>
         <p:blipFill>
-          <a:blip r:embed="rId4">
+          <a:blip r:embed="rId7" cstate="print">
             <a:extLst>
               <a:ext uri="{28A0092B-C50C-407E-A947-70E740481C1C}">
                 <a14:useLocalDpi xmlns:a14="http://schemas.microsoft.com/office/drawing/2010/main" val="0"/>
@@ -3702,7 +3702,7 @@
           <p:cNvPr id="3" name="Picture 2">
             <a:extLst>
               <a:ext uri="{FF2B5EF4-FFF2-40B4-BE49-F238E27FC236}">
-                <a16:creationId xmlns:a16="http://schemas.microsoft.com/office/drawing/2014/main" id="{A3E4EA3E-344E-B471-45A3-76EDB1FAF6F2}"/>
+                <a16:creationId xmlns="" xmlns:a16="http://schemas.microsoft.com/office/drawing/2014/main" id="{A3E4EA3E-344E-B471-45A3-76EDB1FAF6F2}"/>
               </a:ext>
             </a:extLst>
           </p:cNvPr>
@@ -3712,7 +3712,7 @@
           <p:nvPr/>
         </p:nvPicPr>
         <p:blipFill>
-          <a:blip r:embed="rId5">
+          <a:blip r:embed="rId8">
             <a:extLst>
               <a:ext uri="{28A0092B-C50C-407E-A947-70E740481C1C}">
                 <a14:useLocalDpi xmlns:a14="http://schemas.microsoft.com/office/drawing/2010/main" val="0"/>
@@ -3738,7 +3738,7 @@
           <p:cNvPr id="2" name="TextBox 1">
             <a:extLst>
               <a:ext uri="{FF2B5EF4-FFF2-40B4-BE49-F238E27FC236}">
-                <a16:creationId xmlns:a16="http://schemas.microsoft.com/office/drawing/2014/main" id="{545C1AA2-EAE2-BFDA-1DB5-B1B0B64CE4C1}"/>
+                <a16:creationId xmlns="" xmlns:a16="http://schemas.microsoft.com/office/drawing/2014/main" id="{545C1AA2-EAE2-BFDA-1DB5-B1B0B64CE4C1}"/>
               </a:ext>
             </a:extLst>
           </p:cNvPr>
@@ -3999,7 +3999,7 @@
           <p:cNvPr id="4" name="Picture 3">
             <a:extLst>
               <a:ext uri="{FF2B5EF4-FFF2-40B4-BE49-F238E27FC236}">
-                <a16:creationId xmlns:a16="http://schemas.microsoft.com/office/drawing/2014/main" id="{B3C479BF-46F2-91C3-6824-D38EB15BCD74}"/>
+                <a16:creationId xmlns="" xmlns:a16="http://schemas.microsoft.com/office/drawing/2014/main" id="{B3C479BF-46F2-91C3-6824-D38EB15BCD74}"/>
               </a:ext>
             </a:extLst>
           </p:cNvPr>
@@ -4009,7 +4009,7 @@
           <p:nvPr/>
         </p:nvPicPr>
         <p:blipFill>
-          <a:blip r:embed="rId6" cstate="print">
+          <a:blip r:embed="rId9" cstate="print">
             <a:extLst>
               <a:ext uri="{28A0092B-C50C-407E-A947-70E740481C1C}">
                 <a14:useLocalDpi xmlns:a14="http://schemas.microsoft.com/office/drawing/2010/main" val="0"/>
@@ -4035,7 +4035,7 @@
           <p:cNvPr id="5" name="Picture 4">
             <a:extLst>
               <a:ext uri="{FF2B5EF4-FFF2-40B4-BE49-F238E27FC236}">
-                <a16:creationId xmlns:a16="http://schemas.microsoft.com/office/drawing/2014/main" id="{CB140FD5-64AF-3FE5-7EF3-0FCAF7FAF5DA}"/>
+                <a16:creationId xmlns="" xmlns:a16="http://schemas.microsoft.com/office/drawing/2014/main" id="{CB140FD5-64AF-3FE5-7EF3-0FCAF7FAF5DA}"/>
               </a:ext>
             </a:extLst>
           </p:cNvPr>
@@ -4045,7 +4045,7 @@
           <p:nvPr/>
         </p:nvPicPr>
         <p:blipFill>
-          <a:blip r:embed="rId7" cstate="print">
+          <a:blip r:embed="rId10" cstate="print">
             <a:extLst>
               <a:ext uri="{28A0092B-C50C-407E-A947-70E740481C1C}">
                 <a14:useLocalDpi xmlns:a14="http://schemas.microsoft.com/office/drawing/2010/main" val="0"/>
@@ -4071,7 +4071,7 @@
           <p:cNvPr id="6" name="Picture 2" descr="File:Facebook Logo (2019).png - Wikimedia Commons">
             <a:extLst>
               <a:ext uri="{FF2B5EF4-FFF2-40B4-BE49-F238E27FC236}">
-                <a16:creationId xmlns:a16="http://schemas.microsoft.com/office/drawing/2014/main" id="{E4F6A499-0D14-0625-E639-315C8DB92E5A}"/>
+                <a16:creationId xmlns="" xmlns:a16="http://schemas.microsoft.com/office/drawing/2014/main" id="{E4F6A499-0D14-0625-E639-315C8DB92E5A}"/>
               </a:ext>
             </a:extLst>
           </p:cNvPr>
@@ -4081,7 +4081,7 @@
           <p:nvPr/>
         </p:nvPicPr>
         <p:blipFill>
-          <a:blip r:embed="rId8" cstate="print">
+          <a:blip r:embed="rId11" cstate="print">
             <a:extLst>
               <a:ext uri="{28A0092B-C50C-407E-A947-70E740481C1C}">
                 <a14:useLocalDpi xmlns:a14="http://schemas.microsoft.com/office/drawing/2010/main" val="0"/>
@@ -4118,7 +4118,7 @@
           <p:cNvPr id="7" name="Picture 10" descr="New Instagram Logo PNG Images 2023">
             <a:extLst>
               <a:ext uri="{FF2B5EF4-FFF2-40B4-BE49-F238E27FC236}">
-                <a16:creationId xmlns:a16="http://schemas.microsoft.com/office/drawing/2014/main" id="{9CD6B81C-35E1-B833-9259-AAC640AEFB13}"/>
+                <a16:creationId xmlns="" xmlns:a16="http://schemas.microsoft.com/office/drawing/2014/main" id="{9CD6B81C-35E1-B833-9259-AAC640AEFB13}"/>
               </a:ext>
             </a:extLst>
           </p:cNvPr>
@@ -4128,7 +4128,7 @@
           <p:nvPr/>
         </p:nvPicPr>
         <p:blipFill>
-          <a:blip r:embed="rId9" cstate="print">
+          <a:blip r:embed="rId12" cstate="print">
             <a:extLst>
               <a:ext uri="{28A0092B-C50C-407E-A947-70E740481C1C}">
                 <a14:useLocalDpi xmlns:a14="http://schemas.microsoft.com/office/drawing/2010/main" val="0"/>
@@ -4165,7 +4165,7 @@
           <p:cNvPr id="8" name="Picture 14" descr="Whatsapp Icon PNGs for Free Download">
             <a:extLst>
               <a:ext uri="{FF2B5EF4-FFF2-40B4-BE49-F238E27FC236}">
-                <a16:creationId xmlns:a16="http://schemas.microsoft.com/office/drawing/2014/main" id="{0F86561D-C68F-7D41-4A0D-9449DECAF5A1}"/>
+                <a16:creationId xmlns="" xmlns:a16="http://schemas.microsoft.com/office/drawing/2014/main" id="{0F86561D-C68F-7D41-4A0D-9449DECAF5A1}"/>
               </a:ext>
             </a:extLst>
           </p:cNvPr>
@@ -4175,7 +4175,7 @@
           <p:nvPr/>
         </p:nvPicPr>
         <p:blipFill>
-          <a:blip r:embed="rId10" cstate="print">
+          <a:blip r:embed="rId13" cstate="print">
             <a:extLst>
               <a:ext uri="{28A0092B-C50C-407E-A947-70E740481C1C}">
                 <a14:useLocalDpi xmlns:a14="http://schemas.microsoft.com/office/drawing/2010/main" val="0"/>
@@ -4212,7 +4212,7 @@
           <p:cNvPr id="9" name="Picture 16" descr="Linkedin logo png, Linkedin icon transparent png 18930587 PNG">
             <a:extLst>
               <a:ext uri="{FF2B5EF4-FFF2-40B4-BE49-F238E27FC236}">
-                <a16:creationId xmlns:a16="http://schemas.microsoft.com/office/drawing/2014/main" id="{C5325B9E-87D1-9499-8A44-8A9CF87C6598}"/>
+                <a16:creationId xmlns="" xmlns:a16="http://schemas.microsoft.com/office/drawing/2014/main" id="{C5325B9E-87D1-9499-8A44-8A9CF87C6598}"/>
               </a:ext>
             </a:extLst>
           </p:cNvPr>
@@ -4222,7 +4222,7 @@
           <p:nvPr/>
         </p:nvPicPr>
         <p:blipFill>
-          <a:blip r:embed="rId11" cstate="print">
+          <a:blip r:embed="rId14" cstate="print">
             <a:extLst>
               <a:ext uri="{28A0092B-C50C-407E-A947-70E740481C1C}">
                 <a14:useLocalDpi xmlns:a14="http://schemas.microsoft.com/office/drawing/2010/main" val="0"/>
@@ -4259,7 +4259,7 @@
           <p:cNvPr id="10" name="Rectangle 9">
             <a:extLst>
               <a:ext uri="{FF2B5EF4-FFF2-40B4-BE49-F238E27FC236}">
-                <a16:creationId xmlns:a16="http://schemas.microsoft.com/office/drawing/2014/main" id="{676F7393-631A-557D-FBA5-36A1EFDC0789}"/>
+                <a16:creationId xmlns="" xmlns:a16="http://schemas.microsoft.com/office/drawing/2014/main" id="{676F7393-631A-557D-FBA5-36A1EFDC0789}"/>
               </a:ext>
             </a:extLst>
           </p:cNvPr>
@@ -4356,7 +4356,7 @@
           <p:cNvPr id="11" name="Rectangle 10">
             <a:extLst>
               <a:ext uri="{FF2B5EF4-FFF2-40B4-BE49-F238E27FC236}">
-                <a16:creationId xmlns:a16="http://schemas.microsoft.com/office/drawing/2014/main" id="{F36FD974-A183-6AC8-1439-16E527BDDD7F}"/>
+                <a16:creationId xmlns="" xmlns:a16="http://schemas.microsoft.com/office/drawing/2014/main" id="{F36FD974-A183-6AC8-1439-16E527BDDD7F}"/>
               </a:ext>
             </a:extLst>
           </p:cNvPr>
@@ -4428,7 +4428,7 @@
           <p:cNvPr id="12" name="Rectangle 11">
             <a:extLst>
               <a:ext uri="{FF2B5EF4-FFF2-40B4-BE49-F238E27FC236}">
-                <a16:creationId xmlns:a16="http://schemas.microsoft.com/office/drawing/2014/main" id="{CEF13506-A047-DC80-7719-35935E404F6B}"/>
+                <a16:creationId xmlns="" xmlns:a16="http://schemas.microsoft.com/office/drawing/2014/main" id="{CEF13506-A047-DC80-7719-35935E404F6B}"/>
               </a:ext>
             </a:extLst>
           </p:cNvPr>
@@ -4468,7 +4468,7 @@
           <p:cNvPr id="13" name="Picture 18" descr="Page 2 | Phone Icon Png Images - Free Download on Freepik">
             <a:extLst>
               <a:ext uri="{FF2B5EF4-FFF2-40B4-BE49-F238E27FC236}">
-                <a16:creationId xmlns:a16="http://schemas.microsoft.com/office/drawing/2014/main" id="{F92896B4-90E6-BD36-F25E-DE1187C81506}"/>
+                <a16:creationId xmlns="" xmlns:a16="http://schemas.microsoft.com/office/drawing/2014/main" id="{F92896B4-90E6-BD36-F25E-DE1187C81506}"/>
               </a:ext>
             </a:extLst>
           </p:cNvPr>
@@ -4478,7 +4478,7 @@
           <p:nvPr/>
         </p:nvPicPr>
         <p:blipFill>
-          <a:blip r:embed="rId12" cstate="print">
+          <a:blip r:embed="rId15" cstate="print">
             <a:extLst>
               <a:ext uri="{28A0092B-C50C-407E-A947-70E740481C1C}">
                 <a14:useLocalDpi xmlns:a14="http://schemas.microsoft.com/office/drawing/2010/main" val="0"/>
@@ -4515,7 +4515,7 @@
           <p:cNvPr id="14" name="32-Point Star 20">
             <a:extLst>
               <a:ext uri="{FF2B5EF4-FFF2-40B4-BE49-F238E27FC236}">
-                <a16:creationId xmlns:a16="http://schemas.microsoft.com/office/drawing/2014/main" id="{C6708AF5-BAA9-0546-7766-E1CD143048DB}"/>
+                <a16:creationId xmlns="" xmlns:a16="http://schemas.microsoft.com/office/drawing/2014/main" id="{C6708AF5-BAA9-0546-7766-E1CD143048DB}"/>
               </a:ext>
             </a:extLst>
           </p:cNvPr>
@@ -4625,7 +4625,7 @@
           <p:cNvPr id="16" name="32-Point Star 20">
             <a:extLst>
               <a:ext uri="{FF2B5EF4-FFF2-40B4-BE49-F238E27FC236}">
-                <a16:creationId xmlns:a16="http://schemas.microsoft.com/office/drawing/2014/main" id="{D8634965-71EA-333E-7D79-07D5D39A81DE}"/>
+                <a16:creationId xmlns="" xmlns:a16="http://schemas.microsoft.com/office/drawing/2014/main" id="{D8634965-71EA-333E-7D79-07D5D39A81DE}"/>
               </a:ext>
             </a:extLst>
           </p:cNvPr>
@@ -4740,6 +4740,13 @@
   <p:clrMapOvr>
     <a:masterClrMapping/>
   </p:clrMapOvr>
+  <p:timing>
+    <p:tnLst>
+      <p:par>
+        <p:cTn id="1" dur="indefinite" restart="never" nodeType="tmRoot"/>
+      </p:par>
+    </p:tnLst>
+  </p:timing>
 </p:sld>
 </file>
 
@@ -4765,7 +4772,7 @@
           <p:cNvPr id="15" name="Rectangle 14">
             <a:extLst>
               <a:ext uri="{FF2B5EF4-FFF2-40B4-BE49-F238E27FC236}">
-                <a16:creationId xmlns:a16="http://schemas.microsoft.com/office/drawing/2014/main" id="{FB2FF06D-C2EA-0C75-43F9-C7B58146B119}"/>
+                <a16:creationId xmlns="" xmlns:a16="http://schemas.microsoft.com/office/drawing/2014/main" id="{FB2FF06D-C2EA-0C75-43F9-C7B58146B119}"/>
               </a:ext>
             </a:extLst>
           </p:cNvPr>
@@ -4820,7 +4827,7 @@
           <p:cNvPr id="17" name="Picture 16">
             <a:extLst>
               <a:ext uri="{FF2B5EF4-FFF2-40B4-BE49-F238E27FC236}">
-                <a16:creationId xmlns:a16="http://schemas.microsoft.com/office/drawing/2014/main" id="{293E13AC-359E-8FA8-1291-15689464F2C8}"/>
+                <a16:creationId xmlns="" xmlns:a16="http://schemas.microsoft.com/office/drawing/2014/main" id="{293E13AC-359E-8FA8-1291-15689464F2C8}"/>
               </a:ext>
             </a:extLst>
           </p:cNvPr>
@@ -4850,7 +4857,7 @@
           <p:cNvPr id="18" name="Rectangle 17">
             <a:extLst>
               <a:ext uri="{FF2B5EF4-FFF2-40B4-BE49-F238E27FC236}">
-                <a16:creationId xmlns:a16="http://schemas.microsoft.com/office/drawing/2014/main" id="{594419C4-90D9-8890-6387-89696EC7FE9E}"/>
+                <a16:creationId xmlns="" xmlns:a16="http://schemas.microsoft.com/office/drawing/2014/main" id="{594419C4-90D9-8890-6387-89696EC7FE9E}"/>
               </a:ext>
             </a:extLst>
           </p:cNvPr>
@@ -4929,7 +4936,7 @@
           <p:cNvPr id="19" name="TextBox 18">
             <a:extLst>
               <a:ext uri="{FF2B5EF4-FFF2-40B4-BE49-F238E27FC236}">
-                <a16:creationId xmlns:a16="http://schemas.microsoft.com/office/drawing/2014/main" id="{E6C0FDEE-133F-3C3A-7466-0889D35F6FFC}"/>
+                <a16:creationId xmlns="" xmlns:a16="http://schemas.microsoft.com/office/drawing/2014/main" id="{E6C0FDEE-133F-3C3A-7466-0889D35F6FFC}"/>
               </a:ext>
             </a:extLst>
           </p:cNvPr>
@@ -5014,7 +5021,7 @@
           <p:cNvPr id="22" name="Picture 21">
             <a:extLst>
               <a:ext uri="{FF2B5EF4-FFF2-40B4-BE49-F238E27FC236}">
-                <a16:creationId xmlns:a16="http://schemas.microsoft.com/office/drawing/2014/main" id="{EB7EF721-2C99-15E5-45EA-DCF099DE5DA5}"/>
+                <a16:creationId xmlns="" xmlns:a16="http://schemas.microsoft.com/office/drawing/2014/main" id="{EB7EF721-2C99-15E5-45EA-DCF099DE5DA5}"/>
               </a:ext>
             </a:extLst>
           </p:cNvPr>
@@ -5050,7 +5057,7 @@
           <p:cNvPr id="23" name="Picture 22">
             <a:extLst>
               <a:ext uri="{FF2B5EF4-FFF2-40B4-BE49-F238E27FC236}">
-                <a16:creationId xmlns:a16="http://schemas.microsoft.com/office/drawing/2014/main" id="{FD37893E-CC3C-2666-F268-3ED94CE1D7E8}"/>
+                <a16:creationId xmlns="" xmlns:a16="http://schemas.microsoft.com/office/drawing/2014/main" id="{FD37893E-CC3C-2666-F268-3ED94CE1D7E8}"/>
               </a:ext>
             </a:extLst>
           </p:cNvPr>
@@ -5086,7 +5093,7 @@
           <p:cNvPr id="21" name="Rectangle 20">
             <a:extLst>
               <a:ext uri="{FF2B5EF4-FFF2-40B4-BE49-F238E27FC236}">
-                <a16:creationId xmlns:a16="http://schemas.microsoft.com/office/drawing/2014/main" id="{CB08D2BD-0071-1675-B429-A721792EC26A}"/>
+                <a16:creationId xmlns="" xmlns:a16="http://schemas.microsoft.com/office/drawing/2014/main" id="{CB08D2BD-0071-1675-B429-A721792EC26A}"/>
               </a:ext>
             </a:extLst>
           </p:cNvPr>
@@ -5165,7 +5172,7 @@
           <p:cNvPr id="20" name="Picture 19">
             <a:extLst>
               <a:ext uri="{FF2B5EF4-FFF2-40B4-BE49-F238E27FC236}">
-                <a16:creationId xmlns:a16="http://schemas.microsoft.com/office/drawing/2014/main" id="{4CFC492A-2D71-A16A-772B-0B4373F3EB80}"/>
+                <a16:creationId xmlns="" xmlns:a16="http://schemas.microsoft.com/office/drawing/2014/main" id="{4CFC492A-2D71-A16A-772B-0B4373F3EB80}"/>
               </a:ext>
             </a:extLst>
           </p:cNvPr>
@@ -5201,7 +5208,7 @@
           <p:cNvPr id="34" name="Rectangle 33">
             <a:extLst>
               <a:ext uri="{FF2B5EF4-FFF2-40B4-BE49-F238E27FC236}">
-                <a16:creationId xmlns:a16="http://schemas.microsoft.com/office/drawing/2014/main" id="{980D600D-964F-E03B-0E58-24E5445644FF}"/>
+                <a16:creationId xmlns="" xmlns:a16="http://schemas.microsoft.com/office/drawing/2014/main" id="{980D600D-964F-E03B-0E58-24E5445644FF}"/>
               </a:ext>
             </a:extLst>
           </p:cNvPr>
@@ -5253,7 +5260,7 @@
           <p:cNvPr id="6" name="Picture 2" descr="File:Facebook Logo (2019).png - Wikimedia Commons">
             <a:extLst>
               <a:ext uri="{FF2B5EF4-FFF2-40B4-BE49-F238E27FC236}">
-                <a16:creationId xmlns:a16="http://schemas.microsoft.com/office/drawing/2014/main" id="{E4F6A499-0D14-0625-E639-315C8DB92E5A}"/>
+                <a16:creationId xmlns="" xmlns:a16="http://schemas.microsoft.com/office/drawing/2014/main" id="{E4F6A499-0D14-0625-E639-315C8DB92E5A}"/>
               </a:ext>
             </a:extLst>
           </p:cNvPr>
@@ -5300,7 +5307,7 @@
           <p:cNvPr id="7" name="Picture 10" descr="New Instagram Logo PNG Images 2023">
             <a:extLst>
               <a:ext uri="{FF2B5EF4-FFF2-40B4-BE49-F238E27FC236}">
-                <a16:creationId xmlns:a16="http://schemas.microsoft.com/office/drawing/2014/main" id="{9CD6B81C-35E1-B833-9259-AAC640AEFB13}"/>
+                <a16:creationId xmlns="" xmlns:a16="http://schemas.microsoft.com/office/drawing/2014/main" id="{9CD6B81C-35E1-B833-9259-AAC640AEFB13}"/>
               </a:ext>
             </a:extLst>
           </p:cNvPr>
@@ -5347,7 +5354,7 @@
           <p:cNvPr id="8" name="Picture 14" descr="Whatsapp Icon PNGs for Free Download">
             <a:extLst>
               <a:ext uri="{FF2B5EF4-FFF2-40B4-BE49-F238E27FC236}">
-                <a16:creationId xmlns:a16="http://schemas.microsoft.com/office/drawing/2014/main" id="{0F86561D-C68F-7D41-4A0D-9449DECAF5A1}"/>
+                <a16:creationId xmlns="" xmlns:a16="http://schemas.microsoft.com/office/drawing/2014/main" id="{0F86561D-C68F-7D41-4A0D-9449DECAF5A1}"/>
               </a:ext>
             </a:extLst>
           </p:cNvPr>
@@ -5394,7 +5401,7 @@
           <p:cNvPr id="9" name="Picture 16" descr="Linkedin logo png, Linkedin icon transparent png 18930587 PNG">
             <a:extLst>
               <a:ext uri="{FF2B5EF4-FFF2-40B4-BE49-F238E27FC236}">
-                <a16:creationId xmlns:a16="http://schemas.microsoft.com/office/drawing/2014/main" id="{C5325B9E-87D1-9499-8A44-8A9CF87C6598}"/>
+                <a16:creationId xmlns="" xmlns:a16="http://schemas.microsoft.com/office/drawing/2014/main" id="{C5325B9E-87D1-9499-8A44-8A9CF87C6598}"/>
               </a:ext>
             </a:extLst>
           </p:cNvPr>
@@ -5441,7 +5448,7 @@
           <p:cNvPr id="10" name="Rectangle 9">
             <a:extLst>
               <a:ext uri="{FF2B5EF4-FFF2-40B4-BE49-F238E27FC236}">
-                <a16:creationId xmlns:a16="http://schemas.microsoft.com/office/drawing/2014/main" id="{676F7393-631A-557D-FBA5-36A1EFDC0789}"/>
+                <a16:creationId xmlns="" xmlns:a16="http://schemas.microsoft.com/office/drawing/2014/main" id="{676F7393-631A-557D-FBA5-36A1EFDC0789}"/>
               </a:ext>
             </a:extLst>
           </p:cNvPr>
@@ -5514,7 +5521,7 @@
           <p:cNvPr id="11" name="Rectangle 10">
             <a:extLst>
               <a:ext uri="{FF2B5EF4-FFF2-40B4-BE49-F238E27FC236}">
-                <a16:creationId xmlns:a16="http://schemas.microsoft.com/office/drawing/2014/main" id="{F36FD974-A183-6AC8-1439-16E527BDDD7F}"/>
+                <a16:creationId xmlns="" xmlns:a16="http://schemas.microsoft.com/office/drawing/2014/main" id="{F36FD974-A183-6AC8-1439-16E527BDDD7F}"/>
               </a:ext>
             </a:extLst>
           </p:cNvPr>
@@ -5564,7 +5571,7 @@
           <p:cNvPr id="12" name="Rectangle 11">
             <a:extLst>
               <a:ext uri="{FF2B5EF4-FFF2-40B4-BE49-F238E27FC236}">
-                <a16:creationId xmlns:a16="http://schemas.microsoft.com/office/drawing/2014/main" id="{CEF13506-A047-DC80-7719-35935E404F6B}"/>
+                <a16:creationId xmlns="" xmlns:a16="http://schemas.microsoft.com/office/drawing/2014/main" id="{CEF13506-A047-DC80-7719-35935E404F6B}"/>
               </a:ext>
             </a:extLst>
           </p:cNvPr>
@@ -5589,13 +5596,17 @@
             <a:r>
               <a:rPr lang="en-US" sz="1000" b="1" dirty="0">
                 <a:solidFill>
-                  <a:srgbClr val="00FF00"/>
+                  <a:srgbClr val="00B050"/>
                 </a:solidFill>
                 <a:latin typeface="Oxygen" panose="02000503000000000000" pitchFamily="2" charset="0"/>
               </a:rPr>
               <a:t>www.anodiam.com || anirban@anodiam.com</a:t>
             </a:r>
-            <a:endParaRPr lang="en-AU" sz="1000" dirty="0"/>
+            <a:endParaRPr lang="en-AU" sz="1000" dirty="0">
+              <a:solidFill>
+                <a:srgbClr val="00B050"/>
+              </a:solidFill>
+            </a:endParaRPr>
           </a:p>
         </p:txBody>
       </p:sp>
@@ -5604,7 +5615,7 @@
           <p:cNvPr id="13" name="Picture 18" descr="Page 2 | Phone Icon Png Images - Free Download on Freepik">
             <a:extLst>
               <a:ext uri="{FF2B5EF4-FFF2-40B4-BE49-F238E27FC236}">
-                <a16:creationId xmlns:a16="http://schemas.microsoft.com/office/drawing/2014/main" id="{F92896B4-90E6-BD36-F25E-DE1187C81506}"/>
+                <a16:creationId xmlns="" xmlns:a16="http://schemas.microsoft.com/office/drawing/2014/main" id="{F92896B4-90E6-BD36-F25E-DE1187C81506}"/>
               </a:ext>
             </a:extLst>
           </p:cNvPr>
@@ -5651,7 +5662,7 @@
           <p:cNvPr id="16" name="32-Point Star 20">
             <a:extLst>
               <a:ext uri="{FF2B5EF4-FFF2-40B4-BE49-F238E27FC236}">
-                <a16:creationId xmlns:a16="http://schemas.microsoft.com/office/drawing/2014/main" id="{D8634965-71EA-333E-7D79-07D5D39A81DE}"/>
+                <a16:creationId xmlns="" xmlns:a16="http://schemas.microsoft.com/office/drawing/2014/main" id="{D8634965-71EA-333E-7D79-07D5D39A81DE}"/>
               </a:ext>
             </a:extLst>
           </p:cNvPr>
@@ -5761,7 +5772,7 @@
           <p:cNvPr id="1028" name="Picture 4" descr="Map Icon PNGs for Free Download">
             <a:extLst>
               <a:ext uri="{FF2B5EF4-FFF2-40B4-BE49-F238E27FC236}">
-                <a16:creationId xmlns:a16="http://schemas.microsoft.com/office/drawing/2014/main" id="{462D385E-BF12-5E62-5EA6-9CBB8DFC46E9}"/>
+                <a16:creationId xmlns="" xmlns:a16="http://schemas.microsoft.com/office/drawing/2014/main" id="{462D385E-BF12-5E62-5EA6-9CBB8DFC46E9}"/>
               </a:ext>
             </a:extLst>
           </p:cNvPr>
@@ -5771,7 +5782,7 @@
           <p:nvPr/>
         </p:nvPicPr>
         <p:blipFill>
-          <a:blip r:embed="rId11">
+          <a:blip r:embed="rId11" cstate="print">
             <a:extLst>
               <a:ext uri="{28A0092B-C50C-407E-A947-70E740481C1C}">
                 <a14:useLocalDpi xmlns:a14="http://schemas.microsoft.com/office/drawing/2010/main" val="0"/>
@@ -5808,7 +5819,7 @@
           <p:cNvPr id="24" name="Picture 23">
             <a:extLst>
               <a:ext uri="{FF2B5EF4-FFF2-40B4-BE49-F238E27FC236}">
-                <a16:creationId xmlns:a16="http://schemas.microsoft.com/office/drawing/2014/main" id="{A488919C-AC61-D592-AFF9-4F5FFE522D74}"/>
+                <a16:creationId xmlns="" xmlns:a16="http://schemas.microsoft.com/office/drawing/2014/main" id="{A488919C-AC61-D592-AFF9-4F5FFE522D74}"/>
               </a:ext>
             </a:extLst>
           </p:cNvPr>
@@ -5838,7 +5849,7 @@
           <p:cNvPr id="25" name="Rectangle 24">
             <a:extLst>
               <a:ext uri="{FF2B5EF4-FFF2-40B4-BE49-F238E27FC236}">
-                <a16:creationId xmlns:a16="http://schemas.microsoft.com/office/drawing/2014/main" id="{EF39D526-5610-CB78-2519-A7E4655A484E}"/>
+                <a16:creationId xmlns="" xmlns:a16="http://schemas.microsoft.com/office/drawing/2014/main" id="{EF39D526-5610-CB78-2519-A7E4655A484E}"/>
               </a:ext>
             </a:extLst>
           </p:cNvPr>
@@ -5899,7 +5910,7 @@
           <p:cNvPr id="36" name="Freeform: Shape 35">
             <a:extLst>
               <a:ext uri="{FF2B5EF4-FFF2-40B4-BE49-F238E27FC236}">
-                <a16:creationId xmlns:a16="http://schemas.microsoft.com/office/drawing/2014/main" id="{846411BB-2B97-DC1D-1D4B-E3BF68B35C66}"/>
+                <a16:creationId xmlns="" xmlns:a16="http://schemas.microsoft.com/office/drawing/2014/main" id="{846411BB-2B97-DC1D-1D4B-E3BF68B35C66}"/>
               </a:ext>
             </a:extLst>
           </p:cNvPr>
@@ -6016,7 +6027,7 @@
           <p:cNvPr id="39" name="Freeform: Shape 38">
             <a:extLst>
               <a:ext uri="{FF2B5EF4-FFF2-40B4-BE49-F238E27FC236}">
-                <a16:creationId xmlns:a16="http://schemas.microsoft.com/office/drawing/2014/main" id="{874AA42B-B610-C358-2BF6-320EFC7E795D}"/>
+                <a16:creationId xmlns="" xmlns:a16="http://schemas.microsoft.com/office/drawing/2014/main" id="{874AA42B-B610-C358-2BF6-320EFC7E795D}"/>
               </a:ext>
             </a:extLst>
           </p:cNvPr>
@@ -6133,7 +6144,7 @@
           <p:cNvPr id="45" name="Freeform: Shape 44">
             <a:extLst>
               <a:ext uri="{FF2B5EF4-FFF2-40B4-BE49-F238E27FC236}">
-                <a16:creationId xmlns:a16="http://schemas.microsoft.com/office/drawing/2014/main" id="{D6D3C6B6-F66D-B338-58D5-960B9A127DF1}"/>
+                <a16:creationId xmlns="" xmlns:a16="http://schemas.microsoft.com/office/drawing/2014/main" id="{D6D3C6B6-F66D-B338-58D5-960B9A127DF1}"/>
               </a:ext>
             </a:extLst>
           </p:cNvPr>
@@ -6250,7 +6261,7 @@
           <p:cNvPr id="46" name="Freeform: Shape 45">
             <a:extLst>
               <a:ext uri="{FF2B5EF4-FFF2-40B4-BE49-F238E27FC236}">
-                <a16:creationId xmlns:a16="http://schemas.microsoft.com/office/drawing/2014/main" id="{5F64AFDE-8C95-719F-15A2-D398DA42B301}"/>
+                <a16:creationId xmlns="" xmlns:a16="http://schemas.microsoft.com/office/drawing/2014/main" id="{5F64AFDE-8C95-719F-15A2-D398DA42B301}"/>
               </a:ext>
             </a:extLst>
           </p:cNvPr>
@@ -6367,7 +6378,7 @@
           <p:cNvPr id="47" name="Freeform: Shape 46">
             <a:extLst>
               <a:ext uri="{FF2B5EF4-FFF2-40B4-BE49-F238E27FC236}">
-                <a16:creationId xmlns:a16="http://schemas.microsoft.com/office/drawing/2014/main" id="{A8CAB9EF-BE2F-643A-D269-7F171E8006F7}"/>
+                <a16:creationId xmlns="" xmlns:a16="http://schemas.microsoft.com/office/drawing/2014/main" id="{A8CAB9EF-BE2F-643A-D269-7F171E8006F7}"/>
               </a:ext>
             </a:extLst>
           </p:cNvPr>
@@ -6484,7 +6495,7 @@
           <p:cNvPr id="26" name="Star: 5 Points 25">
             <a:extLst>
               <a:ext uri="{FF2B5EF4-FFF2-40B4-BE49-F238E27FC236}">
-                <a16:creationId xmlns:a16="http://schemas.microsoft.com/office/drawing/2014/main" id="{BB0DEF9F-5983-60D5-AAB0-1C6EBC4F2DA6}"/>
+                <a16:creationId xmlns="" xmlns:a16="http://schemas.microsoft.com/office/drawing/2014/main" id="{BB0DEF9F-5983-60D5-AAB0-1C6EBC4F2DA6}"/>
               </a:ext>
             </a:extLst>
           </p:cNvPr>
@@ -6540,7 +6551,7 @@
           <p:cNvPr id="27" name="TextBox 26">
             <a:extLst>
               <a:ext uri="{FF2B5EF4-FFF2-40B4-BE49-F238E27FC236}">
-                <a16:creationId xmlns:a16="http://schemas.microsoft.com/office/drawing/2014/main" id="{E610DB78-DA10-1099-1D47-87DA596D2C4B}"/>
+                <a16:creationId xmlns="" xmlns:a16="http://schemas.microsoft.com/office/drawing/2014/main" id="{E610DB78-DA10-1099-1D47-87DA596D2C4B}"/>
               </a:ext>
             </a:extLst>
           </p:cNvPr>
@@ -6671,7 +6682,7 @@
           <p:cNvPr id="14" name="32-Point Star 20">
             <a:extLst>
               <a:ext uri="{FF2B5EF4-FFF2-40B4-BE49-F238E27FC236}">
-                <a16:creationId xmlns:a16="http://schemas.microsoft.com/office/drawing/2014/main" id="{C6708AF5-BAA9-0546-7766-E1CD143048DB}"/>
+                <a16:creationId xmlns="" xmlns:a16="http://schemas.microsoft.com/office/drawing/2014/main" id="{C6708AF5-BAA9-0546-7766-E1CD143048DB}"/>
               </a:ext>
             </a:extLst>
           </p:cNvPr>
@@ -6781,7 +6792,7 @@
           <p:cNvPr id="50" name="TextBox 49">
             <a:extLst>
               <a:ext uri="{FF2B5EF4-FFF2-40B4-BE49-F238E27FC236}">
-                <a16:creationId xmlns:a16="http://schemas.microsoft.com/office/drawing/2014/main" id="{57A843A1-81C6-8B0F-1D47-0D7DB55E9818}"/>
+                <a16:creationId xmlns="" xmlns:a16="http://schemas.microsoft.com/office/drawing/2014/main" id="{57A843A1-81C6-8B0F-1D47-0D7DB55E9818}"/>
               </a:ext>
             </a:extLst>
           </p:cNvPr>
@@ -6847,7 +6858,7 @@
           <p:cNvPr id="51" name="TextBox 50">
             <a:extLst>
               <a:ext uri="{FF2B5EF4-FFF2-40B4-BE49-F238E27FC236}">
-                <a16:creationId xmlns:a16="http://schemas.microsoft.com/office/drawing/2014/main" id="{1C69875C-A6A3-E441-19BC-9B4295C7CE19}"/>
+                <a16:creationId xmlns="" xmlns:a16="http://schemas.microsoft.com/office/drawing/2014/main" id="{1C69875C-A6A3-E441-19BC-9B4295C7CE19}"/>
               </a:ext>
             </a:extLst>
           </p:cNvPr>
@@ -6900,7 +6911,7 @@
           <p:cNvPr id="52" name="TextBox 51">
             <a:extLst>
               <a:ext uri="{FF2B5EF4-FFF2-40B4-BE49-F238E27FC236}">
-                <a16:creationId xmlns:a16="http://schemas.microsoft.com/office/drawing/2014/main" id="{3BDDD784-D7F7-69E8-3981-A0DEF320A7C4}"/>
+                <a16:creationId xmlns="" xmlns:a16="http://schemas.microsoft.com/office/drawing/2014/main" id="{3BDDD784-D7F7-69E8-3981-A0DEF320A7C4}"/>
               </a:ext>
             </a:extLst>
           </p:cNvPr>
@@ -6965,7 +6976,7 @@
           <p:cNvPr id="53" name="TextBox 52">
             <a:extLst>
               <a:ext uri="{FF2B5EF4-FFF2-40B4-BE49-F238E27FC236}">
-                <a16:creationId xmlns:a16="http://schemas.microsoft.com/office/drawing/2014/main" id="{76D51A6F-ED61-26E8-7BBB-5521377091BF}"/>
+                <a16:creationId xmlns="" xmlns:a16="http://schemas.microsoft.com/office/drawing/2014/main" id="{76D51A6F-ED61-26E8-7BBB-5521377091BF}"/>
               </a:ext>
             </a:extLst>
           </p:cNvPr>
@@ -7018,7 +7029,7 @@
           <p:cNvPr id="54" name="TextBox 53">
             <a:extLst>
               <a:ext uri="{FF2B5EF4-FFF2-40B4-BE49-F238E27FC236}">
-                <a16:creationId xmlns:a16="http://schemas.microsoft.com/office/drawing/2014/main" id="{15F383DD-836F-73E3-3BB3-CF44BAC5D8B9}"/>
+                <a16:creationId xmlns="" xmlns:a16="http://schemas.microsoft.com/office/drawing/2014/main" id="{15F383DD-836F-73E3-3BB3-CF44BAC5D8B9}"/>
               </a:ext>
             </a:extLst>
           </p:cNvPr>
@@ -7104,7 +7115,7 @@
           <p:cNvPr id="57" name="Picture 56">
             <a:extLst>
               <a:ext uri="{FF2B5EF4-FFF2-40B4-BE49-F238E27FC236}">
-                <a16:creationId xmlns:a16="http://schemas.microsoft.com/office/drawing/2014/main" id="{9926DDEF-4ECF-ABE5-11C5-F1E62F30D261}"/>
+                <a16:creationId xmlns="" xmlns:a16="http://schemas.microsoft.com/office/drawing/2014/main" id="{9926DDEF-4ECF-ABE5-11C5-F1E62F30D261}"/>
               </a:ext>
             </a:extLst>
           </p:cNvPr>
@@ -7140,7 +7151,7 @@
           <p:cNvPr id="61" name="Picture 60">
             <a:extLst>
               <a:ext uri="{FF2B5EF4-FFF2-40B4-BE49-F238E27FC236}">
-                <a16:creationId xmlns:a16="http://schemas.microsoft.com/office/drawing/2014/main" id="{B80116AE-6A7E-CBF5-DCB2-D2BC1EC2E509}"/>
+                <a16:creationId xmlns="" xmlns:a16="http://schemas.microsoft.com/office/drawing/2014/main" id="{B80116AE-6A7E-CBF5-DCB2-D2BC1EC2E509}"/>
               </a:ext>
             </a:extLst>
           </p:cNvPr>
@@ -7181,6 +7192,13 @@
   <p:clrMapOvr>
     <a:masterClrMapping/>
   </p:clrMapOvr>
+  <p:timing>
+    <p:tnLst>
+      <p:par>
+        <p:cTn id="1" dur="indefinite" restart="never" nodeType="tmRoot"/>
+      </p:par>
+    </p:tnLst>
+  </p:timing>
 </p:sld>
 </file>
 
@@ -7206,7 +7224,7 @@
           <p:cNvPr id="15" name="Rectangle 14">
             <a:extLst>
               <a:ext uri="{FF2B5EF4-FFF2-40B4-BE49-F238E27FC236}">
-                <a16:creationId xmlns:a16="http://schemas.microsoft.com/office/drawing/2014/main" id="{FB2FF06D-C2EA-0C75-43F9-C7B58146B119}"/>
+                <a16:creationId xmlns="" xmlns:a16="http://schemas.microsoft.com/office/drawing/2014/main" id="{FB2FF06D-C2EA-0C75-43F9-C7B58146B119}"/>
               </a:ext>
             </a:extLst>
           </p:cNvPr>
@@ -7261,7 +7279,7 @@
           <p:cNvPr id="1026" name="Picture 2" descr="The Matrix' Code's Hidden Meaning Has Been Revealed – IndieWire">
             <a:extLst>
               <a:ext uri="{FF2B5EF4-FFF2-40B4-BE49-F238E27FC236}">
-                <a16:creationId xmlns:a16="http://schemas.microsoft.com/office/drawing/2014/main" id="{623092ED-5409-67C7-2004-95688D4362BD}"/>
+                <a16:creationId xmlns="" xmlns:a16="http://schemas.microsoft.com/office/drawing/2014/main" id="{623092ED-5409-67C7-2004-95688D4362BD}"/>
               </a:ext>
             </a:extLst>
           </p:cNvPr>
@@ -7308,7 +7326,7 @@
           <p:cNvPr id="20" name="Picture 19">
             <a:extLst>
               <a:ext uri="{FF2B5EF4-FFF2-40B4-BE49-F238E27FC236}">
-                <a16:creationId xmlns:a16="http://schemas.microsoft.com/office/drawing/2014/main" id="{4CFC492A-2D71-A16A-772B-0B4373F3EB80}"/>
+                <a16:creationId xmlns="" xmlns:a16="http://schemas.microsoft.com/office/drawing/2014/main" id="{4CFC492A-2D71-A16A-772B-0B4373F3EB80}"/>
               </a:ext>
             </a:extLst>
           </p:cNvPr>
@@ -7344,7 +7362,7 @@
           <p:cNvPr id="18" name="Rectangle 17">
             <a:extLst>
               <a:ext uri="{FF2B5EF4-FFF2-40B4-BE49-F238E27FC236}">
-                <a16:creationId xmlns:a16="http://schemas.microsoft.com/office/drawing/2014/main" id="{594419C4-90D9-8890-6387-89696EC7FE9E}"/>
+                <a16:creationId xmlns="" xmlns:a16="http://schemas.microsoft.com/office/drawing/2014/main" id="{594419C4-90D9-8890-6387-89696EC7FE9E}"/>
               </a:ext>
             </a:extLst>
           </p:cNvPr>
@@ -7423,7 +7441,7 @@
           <p:cNvPr id="19" name="TextBox 18">
             <a:extLst>
               <a:ext uri="{FF2B5EF4-FFF2-40B4-BE49-F238E27FC236}">
-                <a16:creationId xmlns:a16="http://schemas.microsoft.com/office/drawing/2014/main" id="{E6C0FDEE-133F-3C3A-7466-0889D35F6FFC}"/>
+                <a16:creationId xmlns="" xmlns:a16="http://schemas.microsoft.com/office/drawing/2014/main" id="{E6C0FDEE-133F-3C3A-7466-0889D35F6FFC}"/>
               </a:ext>
             </a:extLst>
           </p:cNvPr>
@@ -7508,7 +7526,7 @@
           <p:cNvPr id="29" name="Picture 28">
             <a:extLst>
               <a:ext uri="{FF2B5EF4-FFF2-40B4-BE49-F238E27FC236}">
-                <a16:creationId xmlns:a16="http://schemas.microsoft.com/office/drawing/2014/main" id="{52AFE8F3-9FC6-FF81-986B-CC3536FB3360}"/>
+                <a16:creationId xmlns="" xmlns:a16="http://schemas.microsoft.com/office/drawing/2014/main" id="{52AFE8F3-9FC6-FF81-986B-CC3536FB3360}"/>
               </a:ext>
             </a:extLst>
           </p:cNvPr>
@@ -7544,7 +7562,7 @@
           <p:cNvPr id="33" name="Picture 32">
             <a:extLst>
               <a:ext uri="{FF2B5EF4-FFF2-40B4-BE49-F238E27FC236}">
-                <a16:creationId xmlns:a16="http://schemas.microsoft.com/office/drawing/2014/main" id="{6C4FD7F5-4624-2FAB-DB83-B496651F325B}"/>
+                <a16:creationId xmlns="" xmlns:a16="http://schemas.microsoft.com/office/drawing/2014/main" id="{6C4FD7F5-4624-2FAB-DB83-B496651F325B}"/>
               </a:ext>
             </a:extLst>
           </p:cNvPr>
@@ -7580,7 +7598,7 @@
           <p:cNvPr id="21" name="Rectangle 20">
             <a:extLst>
               <a:ext uri="{FF2B5EF4-FFF2-40B4-BE49-F238E27FC236}">
-                <a16:creationId xmlns:a16="http://schemas.microsoft.com/office/drawing/2014/main" id="{CB08D2BD-0071-1675-B429-A721792EC26A}"/>
+                <a16:creationId xmlns="" xmlns:a16="http://schemas.microsoft.com/office/drawing/2014/main" id="{CB08D2BD-0071-1675-B429-A721792EC26A}"/>
               </a:ext>
             </a:extLst>
           </p:cNvPr>
@@ -7659,7 +7677,7 @@
           <p:cNvPr id="34" name="Rectangle 33">
             <a:extLst>
               <a:ext uri="{FF2B5EF4-FFF2-40B4-BE49-F238E27FC236}">
-                <a16:creationId xmlns:a16="http://schemas.microsoft.com/office/drawing/2014/main" id="{980D600D-964F-E03B-0E58-24E5445644FF}"/>
+                <a16:creationId xmlns="" xmlns:a16="http://schemas.microsoft.com/office/drawing/2014/main" id="{980D600D-964F-E03B-0E58-24E5445644FF}"/>
               </a:ext>
             </a:extLst>
           </p:cNvPr>
@@ -7711,7 +7729,7 @@
           <p:cNvPr id="6" name="Picture 2" descr="File:Facebook Logo (2019).png - Wikimedia Commons">
             <a:extLst>
               <a:ext uri="{FF2B5EF4-FFF2-40B4-BE49-F238E27FC236}">
-                <a16:creationId xmlns:a16="http://schemas.microsoft.com/office/drawing/2014/main" id="{E4F6A499-0D14-0625-E639-315C8DB92E5A}"/>
+                <a16:creationId xmlns="" xmlns:a16="http://schemas.microsoft.com/office/drawing/2014/main" id="{E4F6A499-0D14-0625-E639-315C8DB92E5A}"/>
               </a:ext>
             </a:extLst>
           </p:cNvPr>
@@ -7758,7 +7776,7 @@
           <p:cNvPr id="7" name="Picture 10" descr="New Instagram Logo PNG Images 2023">
             <a:extLst>
               <a:ext uri="{FF2B5EF4-FFF2-40B4-BE49-F238E27FC236}">
-                <a16:creationId xmlns:a16="http://schemas.microsoft.com/office/drawing/2014/main" id="{9CD6B81C-35E1-B833-9259-AAC640AEFB13}"/>
+                <a16:creationId xmlns="" xmlns:a16="http://schemas.microsoft.com/office/drawing/2014/main" id="{9CD6B81C-35E1-B833-9259-AAC640AEFB13}"/>
               </a:ext>
             </a:extLst>
           </p:cNvPr>
@@ -7805,7 +7823,7 @@
           <p:cNvPr id="8" name="Picture 14" descr="Whatsapp Icon PNGs for Free Download">
             <a:extLst>
               <a:ext uri="{FF2B5EF4-FFF2-40B4-BE49-F238E27FC236}">
-                <a16:creationId xmlns:a16="http://schemas.microsoft.com/office/drawing/2014/main" id="{0F86561D-C68F-7D41-4A0D-9449DECAF5A1}"/>
+                <a16:creationId xmlns="" xmlns:a16="http://schemas.microsoft.com/office/drawing/2014/main" id="{0F86561D-C68F-7D41-4A0D-9449DECAF5A1}"/>
               </a:ext>
             </a:extLst>
           </p:cNvPr>
@@ -7852,7 +7870,7 @@
           <p:cNvPr id="9" name="Picture 16" descr="Linkedin logo png, Linkedin icon transparent png 18930587 PNG">
             <a:extLst>
               <a:ext uri="{FF2B5EF4-FFF2-40B4-BE49-F238E27FC236}">
-                <a16:creationId xmlns:a16="http://schemas.microsoft.com/office/drawing/2014/main" id="{C5325B9E-87D1-9499-8A44-8A9CF87C6598}"/>
+                <a16:creationId xmlns="" xmlns:a16="http://schemas.microsoft.com/office/drawing/2014/main" id="{C5325B9E-87D1-9499-8A44-8A9CF87C6598}"/>
               </a:ext>
             </a:extLst>
           </p:cNvPr>
@@ -7899,7 +7917,7 @@
           <p:cNvPr id="10" name="Rectangle 9">
             <a:extLst>
               <a:ext uri="{FF2B5EF4-FFF2-40B4-BE49-F238E27FC236}">
-                <a16:creationId xmlns:a16="http://schemas.microsoft.com/office/drawing/2014/main" id="{676F7393-631A-557D-FBA5-36A1EFDC0789}"/>
+                <a16:creationId xmlns="" xmlns:a16="http://schemas.microsoft.com/office/drawing/2014/main" id="{676F7393-631A-557D-FBA5-36A1EFDC0789}"/>
               </a:ext>
             </a:extLst>
           </p:cNvPr>
@@ -7972,7 +7990,7 @@
           <p:cNvPr id="11" name="Rectangle 10">
             <a:extLst>
               <a:ext uri="{FF2B5EF4-FFF2-40B4-BE49-F238E27FC236}">
-                <a16:creationId xmlns:a16="http://schemas.microsoft.com/office/drawing/2014/main" id="{F36FD974-A183-6AC8-1439-16E527BDDD7F}"/>
+                <a16:creationId xmlns="" xmlns:a16="http://schemas.microsoft.com/office/drawing/2014/main" id="{F36FD974-A183-6AC8-1439-16E527BDDD7F}"/>
               </a:ext>
             </a:extLst>
           </p:cNvPr>
@@ -8022,7 +8040,7 @@
           <p:cNvPr id="12" name="Rectangle 11">
             <a:extLst>
               <a:ext uri="{FF2B5EF4-FFF2-40B4-BE49-F238E27FC236}">
-                <a16:creationId xmlns:a16="http://schemas.microsoft.com/office/drawing/2014/main" id="{CEF13506-A047-DC80-7719-35935E404F6B}"/>
+                <a16:creationId xmlns="" xmlns:a16="http://schemas.microsoft.com/office/drawing/2014/main" id="{CEF13506-A047-DC80-7719-35935E404F6B}"/>
               </a:ext>
             </a:extLst>
           </p:cNvPr>
@@ -8047,13 +8065,17 @@
             <a:r>
               <a:rPr lang="en-US" sz="1000" b="1" dirty="0">
                 <a:solidFill>
-                  <a:srgbClr val="00FF00"/>
+                  <a:srgbClr val="00B050"/>
                 </a:solidFill>
                 <a:latin typeface="Oxygen" panose="02000503000000000000" pitchFamily="2" charset="0"/>
               </a:rPr>
               <a:t>www.anodiam.com || anirban@anodiam.com</a:t>
             </a:r>
-            <a:endParaRPr lang="en-AU" sz="1000" dirty="0"/>
+            <a:endParaRPr lang="en-AU" sz="1000" dirty="0">
+              <a:solidFill>
+                <a:srgbClr val="00B050"/>
+              </a:solidFill>
+            </a:endParaRPr>
           </a:p>
         </p:txBody>
       </p:sp>
@@ -8062,7 +8084,7 @@
           <p:cNvPr id="13" name="Picture 18" descr="Page 2 | Phone Icon Png Images - Free Download on Freepik">
             <a:extLst>
               <a:ext uri="{FF2B5EF4-FFF2-40B4-BE49-F238E27FC236}">
-                <a16:creationId xmlns:a16="http://schemas.microsoft.com/office/drawing/2014/main" id="{F92896B4-90E6-BD36-F25E-DE1187C81506}"/>
+                <a16:creationId xmlns="" xmlns:a16="http://schemas.microsoft.com/office/drawing/2014/main" id="{F92896B4-90E6-BD36-F25E-DE1187C81506}"/>
               </a:ext>
             </a:extLst>
           </p:cNvPr>
@@ -8109,7 +8131,7 @@
           <p:cNvPr id="16" name="32-Point Star 20">
             <a:extLst>
               <a:ext uri="{FF2B5EF4-FFF2-40B4-BE49-F238E27FC236}">
-                <a16:creationId xmlns:a16="http://schemas.microsoft.com/office/drawing/2014/main" id="{D8634965-71EA-333E-7D79-07D5D39A81DE}"/>
+                <a16:creationId xmlns="" xmlns:a16="http://schemas.microsoft.com/office/drawing/2014/main" id="{D8634965-71EA-333E-7D79-07D5D39A81DE}"/>
               </a:ext>
             </a:extLst>
           </p:cNvPr>
@@ -8219,7 +8241,7 @@
           <p:cNvPr id="1028" name="Picture 4" descr="Map Icon PNGs for Free Download">
             <a:extLst>
               <a:ext uri="{FF2B5EF4-FFF2-40B4-BE49-F238E27FC236}">
-                <a16:creationId xmlns:a16="http://schemas.microsoft.com/office/drawing/2014/main" id="{462D385E-BF12-5E62-5EA6-9CBB8DFC46E9}"/>
+                <a16:creationId xmlns="" xmlns:a16="http://schemas.microsoft.com/office/drawing/2014/main" id="{462D385E-BF12-5E62-5EA6-9CBB8DFC46E9}"/>
               </a:ext>
             </a:extLst>
           </p:cNvPr>
@@ -8229,7 +8251,7 @@
           <p:nvPr/>
         </p:nvPicPr>
         <p:blipFill>
-          <a:blip r:embed="rId11">
+          <a:blip r:embed="rId11" cstate="print">
             <a:extLst>
               <a:ext uri="{28A0092B-C50C-407E-A947-70E740481C1C}">
                 <a14:useLocalDpi xmlns:a14="http://schemas.microsoft.com/office/drawing/2010/main" val="0"/>
@@ -8266,7 +8288,7 @@
           <p:cNvPr id="24" name="Picture 23">
             <a:extLst>
               <a:ext uri="{FF2B5EF4-FFF2-40B4-BE49-F238E27FC236}">
-                <a16:creationId xmlns:a16="http://schemas.microsoft.com/office/drawing/2014/main" id="{A488919C-AC61-D592-AFF9-4F5FFE522D74}"/>
+                <a16:creationId xmlns="" xmlns:a16="http://schemas.microsoft.com/office/drawing/2014/main" id="{A488919C-AC61-D592-AFF9-4F5FFE522D74}"/>
               </a:ext>
             </a:extLst>
           </p:cNvPr>
@@ -8296,7 +8318,7 @@
           <p:cNvPr id="25" name="Rectangle 24">
             <a:extLst>
               <a:ext uri="{FF2B5EF4-FFF2-40B4-BE49-F238E27FC236}">
-                <a16:creationId xmlns:a16="http://schemas.microsoft.com/office/drawing/2014/main" id="{EF39D526-5610-CB78-2519-A7E4655A484E}"/>
+                <a16:creationId xmlns="" xmlns:a16="http://schemas.microsoft.com/office/drawing/2014/main" id="{EF39D526-5610-CB78-2519-A7E4655A484E}"/>
               </a:ext>
             </a:extLst>
           </p:cNvPr>
@@ -8357,7 +8379,7 @@
           <p:cNvPr id="14" name="32-Point Star 20">
             <a:extLst>
               <a:ext uri="{FF2B5EF4-FFF2-40B4-BE49-F238E27FC236}">
-                <a16:creationId xmlns:a16="http://schemas.microsoft.com/office/drawing/2014/main" id="{C6708AF5-BAA9-0546-7766-E1CD143048DB}"/>
+                <a16:creationId xmlns="" xmlns:a16="http://schemas.microsoft.com/office/drawing/2014/main" id="{C6708AF5-BAA9-0546-7766-E1CD143048DB}"/>
               </a:ext>
             </a:extLst>
           </p:cNvPr>
@@ -8467,7 +8489,7 @@
           <p:cNvPr id="49" name="Cloud 48">
             <a:extLst>
               <a:ext uri="{FF2B5EF4-FFF2-40B4-BE49-F238E27FC236}">
-                <a16:creationId xmlns:a16="http://schemas.microsoft.com/office/drawing/2014/main" id="{E0141692-A530-4344-335F-FDB93B350661}"/>
+                <a16:creationId xmlns="" xmlns:a16="http://schemas.microsoft.com/office/drawing/2014/main" id="{E0141692-A530-4344-335F-FDB93B350661}"/>
               </a:ext>
             </a:extLst>
           </p:cNvPr>
@@ -8522,7 +8544,7 @@
           <p:cNvPr id="56" name="TextBox 55">
             <a:extLst>
               <a:ext uri="{FF2B5EF4-FFF2-40B4-BE49-F238E27FC236}">
-                <a16:creationId xmlns:a16="http://schemas.microsoft.com/office/drawing/2014/main" id="{EC6C9450-B409-5B1B-447D-6EAD2AEC8C3E}"/>
+                <a16:creationId xmlns="" xmlns:a16="http://schemas.microsoft.com/office/drawing/2014/main" id="{EC6C9450-B409-5B1B-447D-6EAD2AEC8C3E}"/>
               </a:ext>
             </a:extLst>
           </p:cNvPr>
@@ -8587,7 +8609,7 @@
           <p:cNvPr id="48" name="Cloud 47">
             <a:extLst>
               <a:ext uri="{FF2B5EF4-FFF2-40B4-BE49-F238E27FC236}">
-                <a16:creationId xmlns:a16="http://schemas.microsoft.com/office/drawing/2014/main" id="{0EFBF647-CA9B-7AF8-4B6E-0C8BDC5545A9}"/>
+                <a16:creationId xmlns="" xmlns:a16="http://schemas.microsoft.com/office/drawing/2014/main" id="{0EFBF647-CA9B-7AF8-4B6E-0C8BDC5545A9}"/>
               </a:ext>
             </a:extLst>
           </p:cNvPr>
@@ -8645,7 +8667,7 @@
           <p:cNvPr id="59" name="TextBox 58">
             <a:extLst>
               <a:ext uri="{FF2B5EF4-FFF2-40B4-BE49-F238E27FC236}">
-                <a16:creationId xmlns:a16="http://schemas.microsoft.com/office/drawing/2014/main" id="{A2053055-E4E7-247A-2646-F222B06939D2}"/>
+                <a16:creationId xmlns="" xmlns:a16="http://schemas.microsoft.com/office/drawing/2014/main" id="{A2053055-E4E7-247A-2646-F222B06939D2}"/>
               </a:ext>
             </a:extLst>
           </p:cNvPr>
@@ -8702,7 +8724,7 @@
           <p:cNvPr id="60" name="Cloud 59">
             <a:extLst>
               <a:ext uri="{FF2B5EF4-FFF2-40B4-BE49-F238E27FC236}">
-                <a16:creationId xmlns:a16="http://schemas.microsoft.com/office/drawing/2014/main" id="{4AC7C27E-BC9C-DA16-A1C0-9CAEC93D33EF}"/>
+                <a16:creationId xmlns="" xmlns:a16="http://schemas.microsoft.com/office/drawing/2014/main" id="{4AC7C27E-BC9C-DA16-A1C0-9CAEC93D33EF}"/>
               </a:ext>
             </a:extLst>
           </p:cNvPr>
@@ -8759,7 +8781,7 @@
           <p:cNvPr id="37" name="Picture 36">
             <a:extLst>
               <a:ext uri="{FF2B5EF4-FFF2-40B4-BE49-F238E27FC236}">
-                <a16:creationId xmlns:a16="http://schemas.microsoft.com/office/drawing/2014/main" id="{E9F2C2F8-C767-1069-7EEE-1A0FCCD3EFF2}"/>
+                <a16:creationId xmlns="" xmlns:a16="http://schemas.microsoft.com/office/drawing/2014/main" id="{E9F2C2F8-C767-1069-7EEE-1A0FCCD3EFF2}"/>
               </a:ext>
             </a:extLst>
           </p:cNvPr>
@@ -8795,7 +8817,7 @@
           <p:cNvPr id="44" name="Picture 43">
             <a:extLst>
               <a:ext uri="{FF2B5EF4-FFF2-40B4-BE49-F238E27FC236}">
-                <a16:creationId xmlns:a16="http://schemas.microsoft.com/office/drawing/2014/main" id="{663C51BD-D58B-F15A-7207-36E272C63F5B}"/>
+                <a16:creationId xmlns="" xmlns:a16="http://schemas.microsoft.com/office/drawing/2014/main" id="{663C51BD-D58B-F15A-7207-36E272C63F5B}"/>
               </a:ext>
             </a:extLst>
           </p:cNvPr>
@@ -8831,7 +8853,7 @@
           <p:cNvPr id="63" name="TextBox 62">
             <a:extLst>
               <a:ext uri="{FF2B5EF4-FFF2-40B4-BE49-F238E27FC236}">
-                <a16:creationId xmlns:a16="http://schemas.microsoft.com/office/drawing/2014/main" id="{D79E0D6D-8D2F-896E-6EAF-20E258FF3DD5}"/>
+                <a16:creationId xmlns="" xmlns:a16="http://schemas.microsoft.com/office/drawing/2014/main" id="{D79E0D6D-8D2F-896E-6EAF-20E258FF3DD5}"/>
               </a:ext>
             </a:extLst>
           </p:cNvPr>
@@ -8930,7 +8952,7 @@
           <p:cNvPr id="1025" name="TextBox 1024">
             <a:extLst>
               <a:ext uri="{FF2B5EF4-FFF2-40B4-BE49-F238E27FC236}">
-                <a16:creationId xmlns:a16="http://schemas.microsoft.com/office/drawing/2014/main" id="{13BBD1E1-B062-B4E5-FDD2-31EE279B9B98}"/>
+                <a16:creationId xmlns="" xmlns:a16="http://schemas.microsoft.com/office/drawing/2014/main" id="{13BBD1E1-B062-B4E5-FDD2-31EE279B9B98}"/>
               </a:ext>
             </a:extLst>
           </p:cNvPr>
@@ -9000,6 +9022,13 @@
   <p:clrMapOvr>
     <a:masterClrMapping/>
   </p:clrMapOvr>
+  <p:timing>
+    <p:tnLst>
+      <p:par>
+        <p:cTn id="1" dur="indefinite" restart="never" nodeType="tmRoot"/>
+      </p:par>
+    </p:tnLst>
+  </p:timing>
 </p:sld>
 </file>
 
@@ -9020,67 +9049,36 @@
           <a:chExt cx="0" cy="0"/>
         </a:xfrm>
       </p:grpSpPr>
-      <p:sp>
-        <p:nvSpPr>
-          <p:cNvPr id="15" name="Rectangle 14">
-            <a:extLst>
-              <a:ext uri="{FF2B5EF4-FFF2-40B4-BE49-F238E27FC236}">
-                <a16:creationId xmlns:a16="http://schemas.microsoft.com/office/drawing/2014/main" id="{FB2FF06D-C2EA-0C75-43F9-C7B58146B119}"/>
-              </a:ext>
-            </a:extLst>
-          </p:cNvPr>
-          <p:cNvSpPr/>
-          <p:nvPr/>
-        </p:nvSpPr>
-        <p:spPr>
-          <a:xfrm>
-            <a:off x="0" y="507860"/>
-            <a:ext cx="5346166" cy="2682234"/>
-          </a:xfrm>
-          <a:prstGeom prst="rect">
-            <a:avLst/>
-          </a:prstGeom>
-          <a:solidFill>
-            <a:schemeClr val="tx2">
-              <a:lumMod val="20000"/>
-              <a:lumOff val="80000"/>
-            </a:schemeClr>
-          </a:solidFill>
-          <a:ln>
-            <a:noFill/>
-          </a:ln>
-        </p:spPr>
-        <p:style>
-          <a:lnRef idx="2">
-            <a:schemeClr val="accent1">
-              <a:shade val="50000"/>
-            </a:schemeClr>
-          </a:lnRef>
-          <a:fillRef idx="1">
-            <a:schemeClr val="accent1"/>
-          </a:fillRef>
-          <a:effectRef idx="0">
-            <a:schemeClr val="accent1"/>
-          </a:effectRef>
-          <a:fontRef idx="minor">
-            <a:schemeClr val="lt1"/>
-          </a:fontRef>
-        </p:style>
-        <p:txBody>
-          <a:bodyPr rtlCol="0" anchor="ctr"/>
-          <a:lstStyle/>
-          <a:p>
-            <a:pPr algn="ctr"/>
-            <a:endParaRPr lang="en-AU"/>
-          </a:p>
-        </p:txBody>
-      </p:sp>
+      <p:pic>
+        <p:nvPicPr>
+          <p:cNvPr id="3" name="Picture 2"/>
+          <p:cNvPicPr>
+            <a:picLocks noChangeAspect="1"/>
+          </p:cNvPicPr>
+          <p:nvPr/>
+        </p:nvPicPr>
+        <p:blipFill>
+          <a:blip r:embed="rId2"/>
+          <a:stretch>
+            <a:fillRect/>
+          </a:stretch>
+        </p:blipFill>
+        <p:spPr>
+          <a:xfrm>
+            <a:off x="0" y="365760"/>
+            <a:ext cx="5349874" cy="2382726"/>
+          </a:xfrm>
+          <a:prstGeom prst="rect">
+            <a:avLst/>
+          </a:prstGeom>
+        </p:spPr>
+      </p:pic>
       <p:pic>
         <p:nvPicPr>
           <p:cNvPr id="20" name="Picture 19">
             <a:extLst>
               <a:ext uri="{FF2B5EF4-FFF2-40B4-BE49-F238E27FC236}">
-                <a16:creationId xmlns:a16="http://schemas.microsoft.com/office/drawing/2014/main" id="{4CFC492A-2D71-A16A-772B-0B4373F3EB80}"/>
+                <a16:creationId xmlns="" xmlns:a16="http://schemas.microsoft.com/office/drawing/2014/main" id="{4CFC492A-2D71-A16A-772B-0B4373F3EB80}"/>
               </a:ext>
             </a:extLst>
           </p:cNvPr>
@@ -9090,7 +9088,7 @@
           <p:nvPr/>
         </p:nvPicPr>
         <p:blipFill>
-          <a:blip r:embed="rId2" cstate="print">
+          <a:blip r:embed="rId3" cstate="print">
             <a:extLst>
               <a:ext uri="{28A0092B-C50C-407E-A947-70E740481C1C}">
                 <a14:useLocalDpi xmlns:a14="http://schemas.microsoft.com/office/drawing/2010/main" val="0"/>
@@ -9103,7 +9101,7 @@
         </p:blipFill>
         <p:spPr>
           <a:xfrm>
-            <a:off x="1622162" y="1006420"/>
+            <a:off x="1622162" y="1062692"/>
             <a:ext cx="2139910" cy="1012273"/>
           </a:xfrm>
           <a:prstGeom prst="rect">
@@ -9116,7 +9114,7 @@
           <p:cNvPr id="18" name="Rectangle 17">
             <a:extLst>
               <a:ext uri="{FF2B5EF4-FFF2-40B4-BE49-F238E27FC236}">
-                <a16:creationId xmlns:a16="http://schemas.microsoft.com/office/drawing/2014/main" id="{594419C4-90D9-8890-6387-89696EC7FE9E}"/>
+                <a16:creationId xmlns="" xmlns:a16="http://schemas.microsoft.com/office/drawing/2014/main" id="{594419C4-90D9-8890-6387-89696EC7FE9E}"/>
               </a:ext>
             </a:extLst>
           </p:cNvPr>
@@ -9195,7 +9193,7 @@
           <p:cNvPr id="19" name="TextBox 18">
             <a:extLst>
               <a:ext uri="{FF2B5EF4-FFF2-40B4-BE49-F238E27FC236}">
-                <a16:creationId xmlns:a16="http://schemas.microsoft.com/office/drawing/2014/main" id="{E6C0FDEE-133F-3C3A-7466-0889D35F6FFC}"/>
+                <a16:creationId xmlns="" xmlns:a16="http://schemas.microsoft.com/office/drawing/2014/main" id="{E6C0FDEE-133F-3C3A-7466-0889D35F6FFC}"/>
               </a:ext>
             </a:extLst>
           </p:cNvPr>
@@ -9204,8 +9202,8 @@
         </p:nvSpPr>
         <p:spPr>
           <a:xfrm>
-            <a:off x="11660" y="73262"/>
-            <a:ext cx="5346166" cy="630942"/>
+            <a:off x="11660" y="-25214"/>
+            <a:ext cx="5346166" cy="800219"/>
           </a:xfrm>
           <a:prstGeom prst="rect">
             <a:avLst/>
@@ -9220,7 +9218,7 @@
           <a:p>
             <a:pPr algn="ctr"/>
             <a:r>
-              <a:rPr lang="en-US" sz="3500" b="1" cap="small" dirty="0">
+              <a:rPr lang="en-US" sz="4600" b="1" cap="small" dirty="0" smtClean="0">
                 <a:ln w="6600">
                   <a:solidFill>
                     <a:srgbClr val="00FF00"/>
@@ -9245,9 +9243,9 @@
                 </a:effectLst>
                 <a:latin typeface="Oxygen" panose="02000503000000000000" pitchFamily="2" charset="0"/>
               </a:rPr>
-              <a:t>Commerce</a:t>
-            </a:r>
-            <a:endParaRPr lang="en-AU" sz="3500" b="1" cap="small" dirty="0">
+              <a:t>Commerce Tuitions</a:t>
+            </a:r>
+            <a:endParaRPr lang="en-AU" sz="4600" b="1" cap="small" dirty="0">
               <a:ln w="6600">
                 <a:solidFill>
                   <a:srgbClr val="00FF00"/>
@@ -9275,12 +9273,72 @@
           </a:p>
         </p:txBody>
       </p:sp>
+      <p:pic>
+        <p:nvPicPr>
+          <p:cNvPr id="4" name="Picture 3"/>
+          <p:cNvPicPr>
+            <a:picLocks noChangeAspect="1"/>
+          </p:cNvPicPr>
+          <p:nvPr/>
+        </p:nvPicPr>
+        <p:blipFill>
+          <a:blip r:embed="rId4" cstate="print">
+            <a:extLst>
+              <a:ext uri="{28A0092B-C50C-407E-A947-70E740481C1C}">
+                <a14:useLocalDpi xmlns:a14="http://schemas.microsoft.com/office/drawing/2010/main" val="0"/>
+              </a:ext>
+            </a:extLst>
+          </a:blip>
+          <a:stretch>
+            <a:fillRect/>
+          </a:stretch>
+        </p:blipFill>
+        <p:spPr>
+          <a:xfrm>
+            <a:off x="3066757" y="1156685"/>
+            <a:ext cx="2570105" cy="1495716"/>
+          </a:xfrm>
+          <a:prstGeom prst="rect">
+            <a:avLst/>
+          </a:prstGeom>
+        </p:spPr>
+      </p:pic>
+      <p:pic>
+        <p:nvPicPr>
+          <p:cNvPr id="5" name="Picture 4"/>
+          <p:cNvPicPr>
+            <a:picLocks noChangeAspect="1"/>
+          </p:cNvPicPr>
+          <p:nvPr/>
+        </p:nvPicPr>
+        <p:blipFill>
+          <a:blip r:embed="rId5">
+            <a:extLst>
+              <a:ext uri="{28A0092B-C50C-407E-A947-70E740481C1C}">
+                <a14:useLocalDpi xmlns:a14="http://schemas.microsoft.com/office/drawing/2010/main" val="0"/>
+              </a:ext>
+            </a:extLst>
+          </a:blip>
+          <a:stretch>
+            <a:fillRect/>
+          </a:stretch>
+        </p:blipFill>
+        <p:spPr>
+          <a:xfrm>
+            <a:off x="-324487" y="-54845"/>
+            <a:ext cx="2816969" cy="3753790"/>
+          </a:xfrm>
+          <a:prstGeom prst="rect">
+            <a:avLst/>
+          </a:prstGeom>
+        </p:spPr>
+      </p:pic>
       <p:sp>
         <p:nvSpPr>
           <p:cNvPr id="21" name="Rectangle 20">
             <a:extLst>
               <a:ext uri="{FF2B5EF4-FFF2-40B4-BE49-F238E27FC236}">
-                <a16:creationId xmlns:a16="http://schemas.microsoft.com/office/drawing/2014/main" id="{CB08D2BD-0071-1675-B429-A721792EC26A}"/>
+                <a16:creationId xmlns="" xmlns:a16="http://schemas.microsoft.com/office/drawing/2014/main" id="{CB08D2BD-0071-1675-B429-A721792EC26A}"/>
               </a:ext>
             </a:extLst>
           </p:cNvPr>
@@ -9359,7 +9417,7 @@
           <p:cNvPr id="34" name="Rectangle 33">
             <a:extLst>
               <a:ext uri="{FF2B5EF4-FFF2-40B4-BE49-F238E27FC236}">
-                <a16:creationId xmlns:a16="http://schemas.microsoft.com/office/drawing/2014/main" id="{980D600D-964F-E03B-0E58-24E5445644FF}"/>
+                <a16:creationId xmlns="" xmlns:a16="http://schemas.microsoft.com/office/drawing/2014/main" id="{980D600D-964F-E03B-0E58-24E5445644FF}"/>
               </a:ext>
             </a:extLst>
           </p:cNvPr>
@@ -9411,7 +9469,7 @@
           <p:cNvPr id="6" name="Picture 2" descr="File:Facebook Logo (2019).png - Wikimedia Commons">
             <a:extLst>
               <a:ext uri="{FF2B5EF4-FFF2-40B4-BE49-F238E27FC236}">
-                <a16:creationId xmlns:a16="http://schemas.microsoft.com/office/drawing/2014/main" id="{E4F6A499-0D14-0625-E639-315C8DB92E5A}"/>
+                <a16:creationId xmlns="" xmlns:a16="http://schemas.microsoft.com/office/drawing/2014/main" id="{E4F6A499-0D14-0625-E639-315C8DB92E5A}"/>
               </a:ext>
             </a:extLst>
           </p:cNvPr>
@@ -9421,7 +9479,7 @@
           <p:nvPr/>
         </p:nvPicPr>
         <p:blipFill>
-          <a:blip r:embed="rId3" cstate="print">
+          <a:blip r:embed="rId6" cstate="print">
             <a:extLst>
               <a:ext uri="{28A0092B-C50C-407E-A947-70E740481C1C}">
                 <a14:useLocalDpi xmlns:a14="http://schemas.microsoft.com/office/drawing/2010/main" val="0"/>
@@ -9458,7 +9516,7 @@
           <p:cNvPr id="7" name="Picture 10" descr="New Instagram Logo PNG Images 2023">
             <a:extLst>
               <a:ext uri="{FF2B5EF4-FFF2-40B4-BE49-F238E27FC236}">
-                <a16:creationId xmlns:a16="http://schemas.microsoft.com/office/drawing/2014/main" id="{9CD6B81C-35E1-B833-9259-AAC640AEFB13}"/>
+                <a16:creationId xmlns="" xmlns:a16="http://schemas.microsoft.com/office/drawing/2014/main" id="{9CD6B81C-35E1-B833-9259-AAC640AEFB13}"/>
               </a:ext>
             </a:extLst>
           </p:cNvPr>
@@ -9468,7 +9526,7 @@
           <p:nvPr/>
         </p:nvPicPr>
         <p:blipFill>
-          <a:blip r:embed="rId4" cstate="print">
+          <a:blip r:embed="rId7" cstate="print">
             <a:extLst>
               <a:ext uri="{28A0092B-C50C-407E-A947-70E740481C1C}">
                 <a14:useLocalDpi xmlns:a14="http://schemas.microsoft.com/office/drawing/2010/main" val="0"/>
@@ -9505,7 +9563,7 @@
           <p:cNvPr id="8" name="Picture 14" descr="Whatsapp Icon PNGs for Free Download">
             <a:extLst>
               <a:ext uri="{FF2B5EF4-FFF2-40B4-BE49-F238E27FC236}">
-                <a16:creationId xmlns:a16="http://schemas.microsoft.com/office/drawing/2014/main" id="{0F86561D-C68F-7D41-4A0D-9449DECAF5A1}"/>
+                <a16:creationId xmlns="" xmlns:a16="http://schemas.microsoft.com/office/drawing/2014/main" id="{0F86561D-C68F-7D41-4A0D-9449DECAF5A1}"/>
               </a:ext>
             </a:extLst>
           </p:cNvPr>
@@ -9515,7 +9573,7 @@
           <p:nvPr/>
         </p:nvPicPr>
         <p:blipFill>
-          <a:blip r:embed="rId5" cstate="print">
+          <a:blip r:embed="rId8" cstate="print">
             <a:extLst>
               <a:ext uri="{28A0092B-C50C-407E-A947-70E740481C1C}">
                 <a14:useLocalDpi xmlns:a14="http://schemas.microsoft.com/office/drawing/2010/main" val="0"/>
@@ -9552,7 +9610,7 @@
           <p:cNvPr id="9" name="Picture 16" descr="Linkedin logo png, Linkedin icon transparent png 18930587 PNG">
             <a:extLst>
               <a:ext uri="{FF2B5EF4-FFF2-40B4-BE49-F238E27FC236}">
-                <a16:creationId xmlns:a16="http://schemas.microsoft.com/office/drawing/2014/main" id="{C5325B9E-87D1-9499-8A44-8A9CF87C6598}"/>
+                <a16:creationId xmlns="" xmlns:a16="http://schemas.microsoft.com/office/drawing/2014/main" id="{C5325B9E-87D1-9499-8A44-8A9CF87C6598}"/>
               </a:ext>
             </a:extLst>
           </p:cNvPr>
@@ -9562,7 +9620,7 @@
           <p:nvPr/>
         </p:nvPicPr>
         <p:blipFill>
-          <a:blip r:embed="rId6" cstate="print">
+          <a:blip r:embed="rId9" cstate="print">
             <a:extLst>
               <a:ext uri="{28A0092B-C50C-407E-A947-70E740481C1C}">
                 <a14:useLocalDpi xmlns:a14="http://schemas.microsoft.com/office/drawing/2010/main" val="0"/>
@@ -9599,7 +9657,7 @@
           <p:cNvPr id="10" name="Rectangle 9">
             <a:extLst>
               <a:ext uri="{FF2B5EF4-FFF2-40B4-BE49-F238E27FC236}">
-                <a16:creationId xmlns:a16="http://schemas.microsoft.com/office/drawing/2014/main" id="{676F7393-631A-557D-FBA5-36A1EFDC0789}"/>
+                <a16:creationId xmlns="" xmlns:a16="http://schemas.microsoft.com/office/drawing/2014/main" id="{676F7393-631A-557D-FBA5-36A1EFDC0789}"/>
               </a:ext>
             </a:extLst>
           </p:cNvPr>
@@ -9672,7 +9730,7 @@
           <p:cNvPr id="11" name="Rectangle 10">
             <a:extLst>
               <a:ext uri="{FF2B5EF4-FFF2-40B4-BE49-F238E27FC236}">
-                <a16:creationId xmlns:a16="http://schemas.microsoft.com/office/drawing/2014/main" id="{F36FD974-A183-6AC8-1439-16E527BDDD7F}"/>
+                <a16:creationId xmlns="" xmlns:a16="http://schemas.microsoft.com/office/drawing/2014/main" id="{F36FD974-A183-6AC8-1439-16E527BDDD7F}"/>
               </a:ext>
             </a:extLst>
           </p:cNvPr>
@@ -9722,7 +9780,7 @@
           <p:cNvPr id="12" name="Rectangle 11">
             <a:extLst>
               <a:ext uri="{FF2B5EF4-FFF2-40B4-BE49-F238E27FC236}">
-                <a16:creationId xmlns:a16="http://schemas.microsoft.com/office/drawing/2014/main" id="{CEF13506-A047-DC80-7719-35935E404F6B}"/>
+                <a16:creationId xmlns="" xmlns:a16="http://schemas.microsoft.com/office/drawing/2014/main" id="{CEF13506-A047-DC80-7719-35935E404F6B}"/>
               </a:ext>
             </a:extLst>
           </p:cNvPr>
@@ -9747,13 +9805,17 @@
             <a:r>
               <a:rPr lang="en-US" sz="1000" b="1" dirty="0">
                 <a:solidFill>
-                  <a:srgbClr val="00FF00"/>
+                  <a:srgbClr val="00B050"/>
                 </a:solidFill>
                 <a:latin typeface="Oxygen" panose="02000503000000000000" pitchFamily="2" charset="0"/>
               </a:rPr>
               <a:t>www.anodiam.com || anirban@anodiam.com</a:t>
             </a:r>
-            <a:endParaRPr lang="en-AU" sz="1000" dirty="0"/>
+            <a:endParaRPr lang="en-AU" sz="1000" dirty="0">
+              <a:solidFill>
+                <a:srgbClr val="00B050"/>
+              </a:solidFill>
+            </a:endParaRPr>
           </a:p>
         </p:txBody>
       </p:sp>
@@ -9762,7 +9824,7 @@
           <p:cNvPr id="13" name="Picture 18" descr="Page 2 | Phone Icon Png Images - Free Download on Freepik">
             <a:extLst>
               <a:ext uri="{FF2B5EF4-FFF2-40B4-BE49-F238E27FC236}">
-                <a16:creationId xmlns:a16="http://schemas.microsoft.com/office/drawing/2014/main" id="{F92896B4-90E6-BD36-F25E-DE1187C81506}"/>
+                <a16:creationId xmlns="" xmlns:a16="http://schemas.microsoft.com/office/drawing/2014/main" id="{F92896B4-90E6-BD36-F25E-DE1187C81506}"/>
               </a:ext>
             </a:extLst>
           </p:cNvPr>
@@ -9772,7 +9834,7 @@
           <p:nvPr/>
         </p:nvPicPr>
         <p:blipFill>
-          <a:blip r:embed="rId7" cstate="print">
+          <a:blip r:embed="rId10" cstate="print">
             <a:extLst>
               <a:ext uri="{28A0092B-C50C-407E-A947-70E740481C1C}">
                 <a14:useLocalDpi xmlns:a14="http://schemas.microsoft.com/office/drawing/2010/main" val="0"/>
@@ -9809,7 +9871,7 @@
           <p:cNvPr id="16" name="32-Point Star 20">
             <a:extLst>
               <a:ext uri="{FF2B5EF4-FFF2-40B4-BE49-F238E27FC236}">
-                <a16:creationId xmlns:a16="http://schemas.microsoft.com/office/drawing/2014/main" id="{D8634965-71EA-333E-7D79-07D5D39A81DE}"/>
+                <a16:creationId xmlns="" xmlns:a16="http://schemas.microsoft.com/office/drawing/2014/main" id="{D8634965-71EA-333E-7D79-07D5D39A81DE}"/>
               </a:ext>
             </a:extLst>
           </p:cNvPr>
@@ -9919,7 +9981,7 @@
           <p:cNvPr id="1028" name="Picture 4" descr="Map Icon PNGs for Free Download">
             <a:extLst>
               <a:ext uri="{FF2B5EF4-FFF2-40B4-BE49-F238E27FC236}">
-                <a16:creationId xmlns:a16="http://schemas.microsoft.com/office/drawing/2014/main" id="{462D385E-BF12-5E62-5EA6-9CBB8DFC46E9}"/>
+                <a16:creationId xmlns="" xmlns:a16="http://schemas.microsoft.com/office/drawing/2014/main" id="{462D385E-BF12-5E62-5EA6-9CBB8DFC46E9}"/>
               </a:ext>
             </a:extLst>
           </p:cNvPr>
@@ -9929,7 +9991,7 @@
           <p:nvPr/>
         </p:nvPicPr>
         <p:blipFill>
-          <a:blip r:embed="rId8">
+          <a:blip r:embed="rId11" cstate="print">
             <a:extLst>
               <a:ext uri="{28A0092B-C50C-407E-A947-70E740481C1C}">
                 <a14:useLocalDpi xmlns:a14="http://schemas.microsoft.com/office/drawing/2010/main" val="0"/>
@@ -9966,7 +10028,7 @@
           <p:cNvPr id="24" name="Picture 23">
             <a:extLst>
               <a:ext uri="{FF2B5EF4-FFF2-40B4-BE49-F238E27FC236}">
-                <a16:creationId xmlns:a16="http://schemas.microsoft.com/office/drawing/2014/main" id="{A488919C-AC61-D592-AFF9-4F5FFE522D74}"/>
+                <a16:creationId xmlns="" xmlns:a16="http://schemas.microsoft.com/office/drawing/2014/main" id="{A488919C-AC61-D592-AFF9-4F5FFE522D74}"/>
               </a:ext>
             </a:extLst>
           </p:cNvPr>
@@ -9976,7 +10038,7 @@
           <p:nvPr/>
         </p:nvPicPr>
         <p:blipFill>
-          <a:blip r:embed="rId9"/>
+          <a:blip r:embed="rId12"/>
           <a:stretch>
             <a:fillRect/>
           </a:stretch>
@@ -9996,7 +10058,7 @@
           <p:cNvPr id="25" name="Rectangle 24">
             <a:extLst>
               <a:ext uri="{FF2B5EF4-FFF2-40B4-BE49-F238E27FC236}">
-                <a16:creationId xmlns:a16="http://schemas.microsoft.com/office/drawing/2014/main" id="{EF39D526-5610-CB78-2519-A7E4655A484E}"/>
+                <a16:creationId xmlns="" xmlns:a16="http://schemas.microsoft.com/office/drawing/2014/main" id="{EF39D526-5610-CB78-2519-A7E4655A484E}"/>
               </a:ext>
             </a:extLst>
           </p:cNvPr>
@@ -10057,7 +10119,7 @@
           <p:cNvPr id="14" name="32-Point Star 20">
             <a:extLst>
               <a:ext uri="{FF2B5EF4-FFF2-40B4-BE49-F238E27FC236}">
-                <a16:creationId xmlns:a16="http://schemas.microsoft.com/office/drawing/2014/main" id="{C6708AF5-BAA9-0546-7766-E1CD143048DB}"/>
+                <a16:creationId xmlns="" xmlns:a16="http://schemas.microsoft.com/office/drawing/2014/main" id="{C6708AF5-BAA9-0546-7766-E1CD143048DB}"/>
               </a:ext>
             </a:extLst>
           </p:cNvPr>
@@ -10162,6 +10224,391 @@
           </a:p>
         </p:txBody>
       </p:sp>
+      <p:sp>
+        <p:nvSpPr>
+          <p:cNvPr id="15" name="Rectangle 14"/>
+          <p:cNvSpPr/>
+          <p:nvPr/>
+        </p:nvSpPr>
+        <p:spPr>
+          <a:xfrm>
+            <a:off x="0" y="5342565"/>
+            <a:ext cx="5329823" cy="738664"/>
+          </a:xfrm>
+          <a:prstGeom prst="rect">
+            <a:avLst/>
+          </a:prstGeom>
+        </p:spPr>
+        <p:txBody>
+          <a:bodyPr wrap="square">
+            <a:spAutoFit/>
+          </a:bodyPr>
+          <a:lstStyle/>
+          <a:p>
+            <a:pPr algn="ctr"/>
+            <a:r>
+              <a:rPr lang="en-US" sz="1400" b="1" cap="small" dirty="0">
+                <a:solidFill>
+                  <a:srgbClr val="880015"/>
+                </a:solidFill>
+                <a:latin typeface="Oxygen" panose="02000503000000000000" pitchFamily="2" charset="0"/>
+              </a:rPr>
+              <a:t>Finest Teachers from Best Institutes</a:t>
+            </a:r>
+          </a:p>
+          <a:p>
+            <a:pPr algn="ctr"/>
+            <a:r>
+              <a:rPr lang="en-US" sz="1400" b="1" cap="small" dirty="0">
+                <a:solidFill>
+                  <a:srgbClr val="880015"/>
+                </a:solidFill>
+                <a:latin typeface="Oxygen" panose="02000503000000000000" pitchFamily="2" charset="0"/>
+              </a:rPr>
+              <a:t>Smart Classrooms, AC, CCTV, Latest Techniques</a:t>
+            </a:r>
+          </a:p>
+          <a:p>
+            <a:pPr algn="ctr"/>
+            <a:r>
+              <a:rPr lang="en-US" sz="1400" b="1" cap="small" dirty="0">
+                <a:solidFill>
+                  <a:srgbClr val="880015"/>
+                </a:solidFill>
+                <a:latin typeface="Oxygen" panose="02000503000000000000" pitchFamily="2" charset="0"/>
+              </a:rPr>
+              <a:t>International Management, App Arriving Soon</a:t>
+            </a:r>
+            <a:endParaRPr lang="en-US" sz="1400" b="1" cap="small" dirty="0">
+              <a:solidFill>
+                <a:srgbClr val="880015"/>
+              </a:solidFill>
+              <a:latin typeface="Oxygen" panose="02000503000000000000" pitchFamily="2" charset="0"/>
+            </a:endParaRPr>
+          </a:p>
+        </p:txBody>
+      </p:sp>
+      <p:grpSp>
+        <p:nvGrpSpPr>
+          <p:cNvPr id="26" name="Group 25"/>
+          <p:cNvGrpSpPr/>
+          <p:nvPr/>
+        </p:nvGrpSpPr>
+        <p:grpSpPr>
+          <a:xfrm>
+            <a:off x="211336" y="2710271"/>
+            <a:ext cx="5034488" cy="2637473"/>
+            <a:chOff x="837338" y="2578397"/>
+            <a:chExt cx="3782485" cy="2901220"/>
+          </a:xfrm>
+        </p:grpSpPr>
+        <p:sp>
+          <p:nvSpPr>
+            <p:cNvPr id="23" name="Oval 22"/>
+            <p:cNvSpPr/>
+            <p:nvPr/>
+          </p:nvSpPr>
+          <p:spPr>
+            <a:xfrm>
+              <a:off x="837338" y="2736417"/>
+              <a:ext cx="3687569" cy="2743200"/>
+            </a:xfrm>
+            <a:prstGeom prst="ellipse">
+              <a:avLst/>
+            </a:prstGeom>
+            <a:solidFill>
+              <a:schemeClr val="bg2">
+                <a:lumMod val="75000"/>
+              </a:schemeClr>
+            </a:solidFill>
+            <a:ln>
+              <a:noFill/>
+            </a:ln>
+            <a:effectLst>
+              <a:softEdge rad="114300"/>
+            </a:effectLst>
+          </p:spPr>
+          <p:style>
+            <a:lnRef idx="2">
+              <a:schemeClr val="accent1">
+                <a:shade val="50000"/>
+              </a:schemeClr>
+            </a:lnRef>
+            <a:fillRef idx="1">
+              <a:schemeClr val="accent1"/>
+            </a:fillRef>
+            <a:effectRef idx="0">
+              <a:schemeClr val="accent1"/>
+            </a:effectRef>
+            <a:fontRef idx="minor">
+              <a:schemeClr val="lt1"/>
+            </a:fontRef>
+          </p:style>
+          <p:txBody>
+            <a:bodyPr rtlCol="0" anchor="ctr"/>
+            <a:lstStyle/>
+            <a:p>
+              <a:pPr algn="ctr"/>
+              <a:endParaRPr lang="en-US"/>
+            </a:p>
+          </p:txBody>
+        </p:sp>
+        <p:sp>
+          <p:nvSpPr>
+            <p:cNvPr id="28" name="Oval 27"/>
+            <p:cNvSpPr/>
+            <p:nvPr/>
+          </p:nvSpPr>
+          <p:spPr>
+            <a:xfrm>
+              <a:off x="968624" y="2578397"/>
+              <a:ext cx="3651199" cy="2743200"/>
+            </a:xfrm>
+            <a:prstGeom prst="ellipse">
+              <a:avLst/>
+            </a:prstGeom>
+            <a:solidFill>
+              <a:schemeClr val="bg1"/>
+            </a:solidFill>
+            <a:ln>
+              <a:noFill/>
+            </a:ln>
+            <a:effectLst>
+              <a:softEdge rad="63500"/>
+            </a:effectLst>
+          </p:spPr>
+          <p:style>
+            <a:lnRef idx="2">
+              <a:schemeClr val="accent1">
+                <a:shade val="50000"/>
+              </a:schemeClr>
+            </a:lnRef>
+            <a:fillRef idx="1">
+              <a:schemeClr val="accent1"/>
+            </a:fillRef>
+            <a:effectRef idx="0">
+              <a:schemeClr val="accent1"/>
+            </a:effectRef>
+            <a:fontRef idx="minor">
+              <a:schemeClr val="lt1"/>
+            </a:fontRef>
+          </p:style>
+          <p:txBody>
+            <a:bodyPr rtlCol="0" anchor="ctr"/>
+            <a:lstStyle/>
+            <a:p>
+              <a:pPr algn="ctr"/>
+              <a:endParaRPr lang="en-US"/>
+            </a:p>
+          </p:txBody>
+        </p:sp>
+      </p:grpSp>
+      <p:pic>
+        <p:nvPicPr>
+          <p:cNvPr id="17" name="Picture 16"/>
+          <p:cNvPicPr>
+            <a:picLocks noChangeAspect="1"/>
+          </p:cNvPicPr>
+          <p:nvPr/>
+        </p:nvPicPr>
+        <p:blipFill>
+          <a:blip r:embed="rId13">
+            <a:extLst>
+              <a:ext uri="{28A0092B-C50C-407E-A947-70E740481C1C}">
+                <a14:useLocalDpi xmlns:a14="http://schemas.microsoft.com/office/drawing/2010/main" val="0"/>
+              </a:ext>
+            </a:extLst>
+          </a:blip>
+          <a:stretch>
+            <a:fillRect/>
+          </a:stretch>
+        </p:blipFill>
+        <p:spPr>
+          <a:xfrm rot="21258087">
+            <a:off x="3392192" y="1868850"/>
+            <a:ext cx="2936320" cy="3956650"/>
+          </a:xfrm>
+          <a:prstGeom prst="rect">
+            <a:avLst/>
+          </a:prstGeom>
+        </p:spPr>
+      </p:pic>
+      <p:pic>
+        <p:nvPicPr>
+          <p:cNvPr id="22" name="Picture 21"/>
+          <p:cNvPicPr>
+            <a:picLocks noChangeAspect="1"/>
+          </p:cNvPicPr>
+          <p:nvPr/>
+        </p:nvPicPr>
+        <p:blipFill>
+          <a:blip r:embed="rId14">
+            <a:extLst>
+              <a:ext uri="{28A0092B-C50C-407E-A947-70E740481C1C}">
+                <a14:useLocalDpi xmlns:a14="http://schemas.microsoft.com/office/drawing/2010/main" val="0"/>
+              </a:ext>
+            </a:extLst>
+          </a:blip>
+          <a:stretch>
+            <a:fillRect/>
+          </a:stretch>
+        </p:blipFill>
+        <p:spPr>
+          <a:xfrm rot="255908" flipH="1">
+            <a:off x="-827795" y="1973478"/>
+            <a:ext cx="2424037" cy="3393771"/>
+          </a:xfrm>
+          <a:prstGeom prst="rect">
+            <a:avLst/>
+          </a:prstGeom>
+        </p:spPr>
+      </p:pic>
+      <p:sp>
+        <p:nvSpPr>
+          <p:cNvPr id="27" name="Rectangle 26"/>
+          <p:cNvSpPr/>
+          <p:nvPr/>
+        </p:nvSpPr>
+        <p:spPr>
+          <a:xfrm>
+            <a:off x="707292" y="2970012"/>
+            <a:ext cx="4136910" cy="1754326"/>
+          </a:xfrm>
+          <a:prstGeom prst="rect">
+            <a:avLst/>
+          </a:prstGeom>
+        </p:spPr>
+        <p:txBody>
+          <a:bodyPr wrap="square">
+            <a:spAutoFit/>
+          </a:bodyPr>
+          <a:lstStyle/>
+          <a:p>
+            <a:pPr algn="ctr">
+              <a:lnSpc>
+                <a:spcPct val="150000"/>
+              </a:lnSpc>
+            </a:pPr>
+            <a:r>
+              <a:rPr lang="en-US" b="1" cap="small" dirty="0" smtClean="0">
+                <a:solidFill>
+                  <a:srgbClr val="0070C0"/>
+                </a:solidFill>
+                <a:latin typeface="Oxygen" panose="02000503000000000000" pitchFamily="2" charset="0"/>
+              </a:rPr>
+              <a:t>IX-XII CSE/CBSE/WB</a:t>
+            </a:r>
+          </a:p>
+          <a:p>
+            <a:pPr algn="ctr">
+              <a:lnSpc>
+                <a:spcPct val="150000"/>
+              </a:lnSpc>
+            </a:pPr>
+            <a:r>
+              <a:rPr lang="en-US" b="1" cap="small" dirty="0" smtClean="0">
+                <a:solidFill>
+                  <a:srgbClr val="0070C0"/>
+                </a:solidFill>
+                <a:latin typeface="Oxygen" panose="02000503000000000000" pitchFamily="2" charset="0"/>
+              </a:rPr>
+              <a:t>BCom</a:t>
+            </a:r>
+            <a:r>
+              <a:rPr lang="en-US" b="1" cap="small" dirty="0">
+                <a:solidFill>
+                  <a:srgbClr val="0070C0"/>
+                </a:solidFill>
+                <a:latin typeface="Oxygen" panose="02000503000000000000" pitchFamily="2" charset="0"/>
+              </a:rPr>
+              <a:t>, BBA, CA, CMA, CS, </a:t>
+            </a:r>
+            <a:r>
+              <a:rPr lang="en-US" b="1" cap="small" dirty="0" smtClean="0">
+                <a:solidFill>
+                  <a:srgbClr val="0070C0"/>
+                </a:solidFill>
+                <a:latin typeface="Oxygen" panose="02000503000000000000" pitchFamily="2" charset="0"/>
+              </a:rPr>
+              <a:t>CFA</a:t>
+            </a:r>
+          </a:p>
+          <a:p>
+            <a:pPr algn="ctr">
+              <a:lnSpc>
+                <a:spcPct val="150000"/>
+              </a:lnSpc>
+            </a:pPr>
+            <a:r>
+              <a:rPr lang="en-US" b="1" cap="small" dirty="0">
+                <a:solidFill>
+                  <a:srgbClr val="0070C0"/>
+                </a:solidFill>
+                <a:latin typeface="Oxygen" panose="02000503000000000000" pitchFamily="2" charset="0"/>
+              </a:rPr>
+              <a:t>Grooming, </a:t>
+            </a:r>
+            <a:r>
+              <a:rPr lang="en-US" b="1" cap="small" dirty="0" smtClean="0">
+                <a:solidFill>
+                  <a:srgbClr val="0070C0"/>
+                </a:solidFill>
+                <a:latin typeface="Oxygen" panose="02000503000000000000" pitchFamily="2" charset="0"/>
+              </a:rPr>
+              <a:t>Spoken Eng, Ielts, Toefl</a:t>
+            </a:r>
+            <a:r>
+              <a:rPr lang="en-US" b="1" cap="small" dirty="0" smtClean="0">
+                <a:solidFill>
+                  <a:srgbClr val="880015"/>
+                </a:solidFill>
+                <a:latin typeface="Oxygen" panose="02000503000000000000" pitchFamily="2" charset="0"/>
+              </a:rPr>
+              <a:t> </a:t>
+            </a:r>
+            <a:endParaRPr lang="en-US" b="1" cap="small" dirty="0">
+              <a:solidFill>
+                <a:srgbClr val="880015"/>
+              </a:solidFill>
+              <a:latin typeface="Oxygen" panose="02000503000000000000" pitchFamily="2" charset="0"/>
+            </a:endParaRPr>
+          </a:p>
+          <a:p>
+            <a:pPr algn="ctr">
+              <a:lnSpc>
+                <a:spcPct val="150000"/>
+              </a:lnSpc>
+            </a:pPr>
+            <a:r>
+              <a:rPr lang="en-US" b="1" cap="small" dirty="0" smtClean="0">
+                <a:solidFill>
+                  <a:srgbClr val="0070C0"/>
+                </a:solidFill>
+                <a:latin typeface="Oxygen" panose="02000503000000000000" pitchFamily="2" charset="0"/>
+              </a:rPr>
+              <a:t> </a:t>
+            </a:r>
+            <a:r>
+              <a:rPr lang="en-US" b="1" cap="small" dirty="0">
+                <a:solidFill>
+                  <a:srgbClr val="0070C0"/>
+                </a:solidFill>
+                <a:latin typeface="Oxygen" panose="02000503000000000000" pitchFamily="2" charset="0"/>
+              </a:rPr>
+              <a:t>Interview </a:t>
+            </a:r>
+            <a:r>
+              <a:rPr lang="en-US" b="1" cap="small" dirty="0" smtClean="0">
+                <a:solidFill>
+                  <a:srgbClr val="0070C0"/>
+                </a:solidFill>
+                <a:latin typeface="Oxygen" panose="02000503000000000000" pitchFamily="2" charset="0"/>
+              </a:rPr>
+              <a:t>Prep, Foreign Languages</a:t>
+            </a:r>
+          </a:p>
+        </p:txBody>
+      </p:sp>
     </p:spTree>
     <p:extLst>
       <p:ext uri="{BB962C8B-B14F-4D97-AF65-F5344CB8AC3E}">
@@ -10172,6 +10619,13 @@
   <p:clrMapOvr>
     <a:masterClrMapping/>
   </p:clrMapOvr>
+  <p:timing>
+    <p:tnLst>
+      <p:par>
+        <p:cTn id="1" dur="indefinite" restart="never" nodeType="tmRoot"/>
+      </p:par>
+    </p:tnLst>
+  </p:timing>
 </p:sld>
 </file>
 
@@ -10197,7 +10651,7 @@
           <p:cNvPr id="15" name="Rectangle 14">
             <a:extLst>
               <a:ext uri="{FF2B5EF4-FFF2-40B4-BE49-F238E27FC236}">
-                <a16:creationId xmlns:a16="http://schemas.microsoft.com/office/drawing/2014/main" id="{FB2FF06D-C2EA-0C75-43F9-C7B58146B119}"/>
+                <a16:creationId xmlns="" xmlns:a16="http://schemas.microsoft.com/office/drawing/2014/main" id="{FB2FF06D-C2EA-0C75-43F9-C7B58146B119}"/>
               </a:ext>
             </a:extLst>
           </p:cNvPr>
@@ -10252,7 +10706,7 @@
           <p:cNvPr id="20" name="Picture 19">
             <a:extLst>
               <a:ext uri="{FF2B5EF4-FFF2-40B4-BE49-F238E27FC236}">
-                <a16:creationId xmlns:a16="http://schemas.microsoft.com/office/drawing/2014/main" id="{4CFC492A-2D71-A16A-772B-0B4373F3EB80}"/>
+                <a16:creationId xmlns="" xmlns:a16="http://schemas.microsoft.com/office/drawing/2014/main" id="{4CFC492A-2D71-A16A-772B-0B4373F3EB80}"/>
               </a:ext>
             </a:extLst>
           </p:cNvPr>
@@ -10288,7 +10742,7 @@
           <p:cNvPr id="18" name="Rectangle 17">
             <a:extLst>
               <a:ext uri="{FF2B5EF4-FFF2-40B4-BE49-F238E27FC236}">
-                <a16:creationId xmlns:a16="http://schemas.microsoft.com/office/drawing/2014/main" id="{594419C4-90D9-8890-6387-89696EC7FE9E}"/>
+                <a16:creationId xmlns="" xmlns:a16="http://schemas.microsoft.com/office/drawing/2014/main" id="{594419C4-90D9-8890-6387-89696EC7FE9E}"/>
               </a:ext>
             </a:extLst>
           </p:cNvPr>
@@ -10367,7 +10821,7 @@
           <p:cNvPr id="19" name="TextBox 18">
             <a:extLst>
               <a:ext uri="{FF2B5EF4-FFF2-40B4-BE49-F238E27FC236}">
-                <a16:creationId xmlns:a16="http://schemas.microsoft.com/office/drawing/2014/main" id="{E6C0FDEE-133F-3C3A-7466-0889D35F6FFC}"/>
+                <a16:creationId xmlns="" xmlns:a16="http://schemas.microsoft.com/office/drawing/2014/main" id="{E6C0FDEE-133F-3C3A-7466-0889D35F6FFC}"/>
               </a:ext>
             </a:extLst>
           </p:cNvPr>
@@ -10452,7 +10906,7 @@
           <p:cNvPr id="21" name="Rectangle 20">
             <a:extLst>
               <a:ext uri="{FF2B5EF4-FFF2-40B4-BE49-F238E27FC236}">
-                <a16:creationId xmlns:a16="http://schemas.microsoft.com/office/drawing/2014/main" id="{CB08D2BD-0071-1675-B429-A721792EC26A}"/>
+                <a16:creationId xmlns="" xmlns:a16="http://schemas.microsoft.com/office/drawing/2014/main" id="{CB08D2BD-0071-1675-B429-A721792EC26A}"/>
               </a:ext>
             </a:extLst>
           </p:cNvPr>
@@ -10531,7 +10985,7 @@
           <p:cNvPr id="34" name="Rectangle 33">
             <a:extLst>
               <a:ext uri="{FF2B5EF4-FFF2-40B4-BE49-F238E27FC236}">
-                <a16:creationId xmlns:a16="http://schemas.microsoft.com/office/drawing/2014/main" id="{980D600D-964F-E03B-0E58-24E5445644FF}"/>
+                <a16:creationId xmlns="" xmlns:a16="http://schemas.microsoft.com/office/drawing/2014/main" id="{980D600D-964F-E03B-0E58-24E5445644FF}"/>
               </a:ext>
             </a:extLst>
           </p:cNvPr>
@@ -10583,7 +11037,7 @@
           <p:cNvPr id="6" name="Picture 2" descr="File:Facebook Logo (2019).png - Wikimedia Commons">
             <a:extLst>
               <a:ext uri="{FF2B5EF4-FFF2-40B4-BE49-F238E27FC236}">
-                <a16:creationId xmlns:a16="http://schemas.microsoft.com/office/drawing/2014/main" id="{E4F6A499-0D14-0625-E639-315C8DB92E5A}"/>
+                <a16:creationId xmlns="" xmlns:a16="http://schemas.microsoft.com/office/drawing/2014/main" id="{E4F6A499-0D14-0625-E639-315C8DB92E5A}"/>
               </a:ext>
             </a:extLst>
           </p:cNvPr>
@@ -10630,7 +11084,7 @@
           <p:cNvPr id="7" name="Picture 10" descr="New Instagram Logo PNG Images 2023">
             <a:extLst>
               <a:ext uri="{FF2B5EF4-FFF2-40B4-BE49-F238E27FC236}">
-                <a16:creationId xmlns:a16="http://schemas.microsoft.com/office/drawing/2014/main" id="{9CD6B81C-35E1-B833-9259-AAC640AEFB13}"/>
+                <a16:creationId xmlns="" xmlns:a16="http://schemas.microsoft.com/office/drawing/2014/main" id="{9CD6B81C-35E1-B833-9259-AAC640AEFB13}"/>
               </a:ext>
             </a:extLst>
           </p:cNvPr>
@@ -10677,7 +11131,7 @@
           <p:cNvPr id="8" name="Picture 14" descr="Whatsapp Icon PNGs for Free Download">
             <a:extLst>
               <a:ext uri="{FF2B5EF4-FFF2-40B4-BE49-F238E27FC236}">
-                <a16:creationId xmlns:a16="http://schemas.microsoft.com/office/drawing/2014/main" id="{0F86561D-C68F-7D41-4A0D-9449DECAF5A1}"/>
+                <a16:creationId xmlns="" xmlns:a16="http://schemas.microsoft.com/office/drawing/2014/main" id="{0F86561D-C68F-7D41-4A0D-9449DECAF5A1}"/>
               </a:ext>
             </a:extLst>
           </p:cNvPr>
@@ -10724,7 +11178,7 @@
           <p:cNvPr id="9" name="Picture 16" descr="Linkedin logo png, Linkedin icon transparent png 18930587 PNG">
             <a:extLst>
               <a:ext uri="{FF2B5EF4-FFF2-40B4-BE49-F238E27FC236}">
-                <a16:creationId xmlns:a16="http://schemas.microsoft.com/office/drawing/2014/main" id="{C5325B9E-87D1-9499-8A44-8A9CF87C6598}"/>
+                <a16:creationId xmlns="" xmlns:a16="http://schemas.microsoft.com/office/drawing/2014/main" id="{C5325B9E-87D1-9499-8A44-8A9CF87C6598}"/>
               </a:ext>
             </a:extLst>
           </p:cNvPr>
@@ -10771,7 +11225,7 @@
           <p:cNvPr id="10" name="Rectangle 9">
             <a:extLst>
               <a:ext uri="{FF2B5EF4-FFF2-40B4-BE49-F238E27FC236}">
-                <a16:creationId xmlns:a16="http://schemas.microsoft.com/office/drawing/2014/main" id="{676F7393-631A-557D-FBA5-36A1EFDC0789}"/>
+                <a16:creationId xmlns="" xmlns:a16="http://schemas.microsoft.com/office/drawing/2014/main" id="{676F7393-631A-557D-FBA5-36A1EFDC0789}"/>
               </a:ext>
             </a:extLst>
           </p:cNvPr>
@@ -10844,7 +11298,7 @@
           <p:cNvPr id="11" name="Rectangle 10">
             <a:extLst>
               <a:ext uri="{FF2B5EF4-FFF2-40B4-BE49-F238E27FC236}">
-                <a16:creationId xmlns:a16="http://schemas.microsoft.com/office/drawing/2014/main" id="{F36FD974-A183-6AC8-1439-16E527BDDD7F}"/>
+                <a16:creationId xmlns="" xmlns:a16="http://schemas.microsoft.com/office/drawing/2014/main" id="{F36FD974-A183-6AC8-1439-16E527BDDD7F}"/>
               </a:ext>
             </a:extLst>
           </p:cNvPr>
@@ -10894,7 +11348,7 @@
           <p:cNvPr id="12" name="Rectangle 11">
             <a:extLst>
               <a:ext uri="{FF2B5EF4-FFF2-40B4-BE49-F238E27FC236}">
-                <a16:creationId xmlns:a16="http://schemas.microsoft.com/office/drawing/2014/main" id="{CEF13506-A047-DC80-7719-35935E404F6B}"/>
+                <a16:creationId xmlns="" xmlns:a16="http://schemas.microsoft.com/office/drawing/2014/main" id="{CEF13506-A047-DC80-7719-35935E404F6B}"/>
               </a:ext>
             </a:extLst>
           </p:cNvPr>
@@ -10919,13 +11373,17 @@
             <a:r>
               <a:rPr lang="en-US" sz="1000" b="1" dirty="0">
                 <a:solidFill>
-                  <a:srgbClr val="00FF00"/>
+                  <a:srgbClr val="00B050"/>
                 </a:solidFill>
                 <a:latin typeface="Oxygen" panose="02000503000000000000" pitchFamily="2" charset="0"/>
               </a:rPr>
               <a:t>www.anodiam.com || anirban@anodiam.com</a:t>
             </a:r>
-            <a:endParaRPr lang="en-AU" sz="1000" dirty="0"/>
+            <a:endParaRPr lang="en-AU" sz="1000" dirty="0">
+              <a:solidFill>
+                <a:srgbClr val="00B050"/>
+              </a:solidFill>
+            </a:endParaRPr>
           </a:p>
         </p:txBody>
       </p:sp>
@@ -10934,7 +11392,7 @@
           <p:cNvPr id="13" name="Picture 18" descr="Page 2 | Phone Icon Png Images - Free Download on Freepik">
             <a:extLst>
               <a:ext uri="{FF2B5EF4-FFF2-40B4-BE49-F238E27FC236}">
-                <a16:creationId xmlns:a16="http://schemas.microsoft.com/office/drawing/2014/main" id="{F92896B4-90E6-BD36-F25E-DE1187C81506}"/>
+                <a16:creationId xmlns="" xmlns:a16="http://schemas.microsoft.com/office/drawing/2014/main" id="{F92896B4-90E6-BD36-F25E-DE1187C81506}"/>
               </a:ext>
             </a:extLst>
           </p:cNvPr>
@@ -10981,7 +11439,7 @@
           <p:cNvPr id="16" name="32-Point Star 20">
             <a:extLst>
               <a:ext uri="{FF2B5EF4-FFF2-40B4-BE49-F238E27FC236}">
-                <a16:creationId xmlns:a16="http://schemas.microsoft.com/office/drawing/2014/main" id="{D8634965-71EA-333E-7D79-07D5D39A81DE}"/>
+                <a16:creationId xmlns="" xmlns:a16="http://schemas.microsoft.com/office/drawing/2014/main" id="{D8634965-71EA-333E-7D79-07D5D39A81DE}"/>
               </a:ext>
             </a:extLst>
           </p:cNvPr>
@@ -11091,7 +11549,7 @@
           <p:cNvPr id="1028" name="Picture 4" descr="Map Icon PNGs for Free Download">
             <a:extLst>
               <a:ext uri="{FF2B5EF4-FFF2-40B4-BE49-F238E27FC236}">
-                <a16:creationId xmlns:a16="http://schemas.microsoft.com/office/drawing/2014/main" id="{462D385E-BF12-5E62-5EA6-9CBB8DFC46E9}"/>
+                <a16:creationId xmlns="" xmlns:a16="http://schemas.microsoft.com/office/drawing/2014/main" id="{462D385E-BF12-5E62-5EA6-9CBB8DFC46E9}"/>
               </a:ext>
             </a:extLst>
           </p:cNvPr>
@@ -11101,7 +11559,7 @@
           <p:nvPr/>
         </p:nvPicPr>
         <p:blipFill>
-          <a:blip r:embed="rId8">
+          <a:blip r:embed="rId8" cstate="print">
             <a:extLst>
               <a:ext uri="{28A0092B-C50C-407E-A947-70E740481C1C}">
                 <a14:useLocalDpi xmlns:a14="http://schemas.microsoft.com/office/drawing/2010/main" val="0"/>
@@ -11138,7 +11596,7 @@
           <p:cNvPr id="24" name="Picture 23">
             <a:extLst>
               <a:ext uri="{FF2B5EF4-FFF2-40B4-BE49-F238E27FC236}">
-                <a16:creationId xmlns:a16="http://schemas.microsoft.com/office/drawing/2014/main" id="{A488919C-AC61-D592-AFF9-4F5FFE522D74}"/>
+                <a16:creationId xmlns="" xmlns:a16="http://schemas.microsoft.com/office/drawing/2014/main" id="{A488919C-AC61-D592-AFF9-4F5FFE522D74}"/>
               </a:ext>
             </a:extLst>
           </p:cNvPr>
@@ -11168,7 +11626,7 @@
           <p:cNvPr id="25" name="Rectangle 24">
             <a:extLst>
               <a:ext uri="{FF2B5EF4-FFF2-40B4-BE49-F238E27FC236}">
-                <a16:creationId xmlns:a16="http://schemas.microsoft.com/office/drawing/2014/main" id="{EF39D526-5610-CB78-2519-A7E4655A484E}"/>
+                <a16:creationId xmlns="" xmlns:a16="http://schemas.microsoft.com/office/drawing/2014/main" id="{EF39D526-5610-CB78-2519-A7E4655A484E}"/>
               </a:ext>
             </a:extLst>
           </p:cNvPr>
@@ -11229,7 +11687,7 @@
           <p:cNvPr id="14" name="32-Point Star 20">
             <a:extLst>
               <a:ext uri="{FF2B5EF4-FFF2-40B4-BE49-F238E27FC236}">
-                <a16:creationId xmlns:a16="http://schemas.microsoft.com/office/drawing/2014/main" id="{C6708AF5-BAA9-0546-7766-E1CD143048DB}"/>
+                <a16:creationId xmlns="" xmlns:a16="http://schemas.microsoft.com/office/drawing/2014/main" id="{C6708AF5-BAA9-0546-7766-E1CD143048DB}"/>
               </a:ext>
             </a:extLst>
           </p:cNvPr>
@@ -11344,6 +11802,13 @@
   <p:clrMapOvr>
     <a:masterClrMapping/>
   </p:clrMapOvr>
+  <p:timing>
+    <p:tnLst>
+      <p:par>
+        <p:cTn id="1" dur="indefinite" restart="never" nodeType="tmRoot"/>
+      </p:par>
+    </p:tnLst>
+  </p:timing>
 </p:sld>
 </file>
 

--- a/Offline/BusinessManagement/MarketingArtworks/A-4-Div-2-Flyers.pptx
+++ b/Offline/BusinessManagement/MarketingArtworks/A-4-Div-2-Flyers.pptx
@@ -5596,7 +5596,7 @@
             <a:r>
               <a:rPr lang="en-US" sz="1000" b="1" dirty="0">
                 <a:solidFill>
-                  <a:srgbClr val="00B050"/>
+                  <a:srgbClr val="0070C0"/>
                 </a:solidFill>
                 <a:latin typeface="Oxygen" panose="02000503000000000000" pitchFamily="2" charset="0"/>
               </a:rPr>
@@ -5604,7 +5604,7 @@
             </a:r>
             <a:endParaRPr lang="en-AU" sz="1000" dirty="0">
               <a:solidFill>
-                <a:srgbClr val="00B050"/>
+                <a:srgbClr val="0070C0"/>
               </a:solidFill>
             </a:endParaRPr>
           </a:p>
@@ -8065,7 +8065,7 @@
             <a:r>
               <a:rPr lang="en-US" sz="1000" b="1" dirty="0">
                 <a:solidFill>
-                  <a:srgbClr val="00B050"/>
+                  <a:srgbClr val="0070C0"/>
                 </a:solidFill>
                 <a:latin typeface="Oxygen" panose="02000503000000000000" pitchFamily="2" charset="0"/>
               </a:rPr>
@@ -8073,7 +8073,7 @@
             </a:r>
             <a:endParaRPr lang="en-AU" sz="1000" dirty="0">
               <a:solidFill>
-                <a:srgbClr val="00B050"/>
+                <a:srgbClr val="0070C0"/>
               </a:solidFill>
             </a:endParaRPr>
           </a:p>
@@ -9805,7 +9805,7 @@
             <a:r>
               <a:rPr lang="en-US" sz="1000" b="1" dirty="0">
                 <a:solidFill>
-                  <a:srgbClr val="00B050"/>
+                  <a:srgbClr val="0070C0"/>
                 </a:solidFill>
                 <a:latin typeface="Oxygen" panose="02000503000000000000" pitchFamily="2" charset="0"/>
               </a:rPr>
@@ -9813,7 +9813,7 @@
             </a:r>
             <a:endParaRPr lang="en-AU" sz="1000" dirty="0">
               <a:solidFill>
-                <a:srgbClr val="00B050"/>
+                <a:srgbClr val="0070C0"/>
               </a:solidFill>
             </a:endParaRPr>
           </a:p>
@@ -10279,12 +10279,6 @@
               </a:rPr>
               <a:t>International Management, App Arriving Soon</a:t>
             </a:r>
-            <a:endParaRPr lang="en-US" sz="1400" b="1" cap="small" dirty="0">
-              <a:solidFill>
-                <a:srgbClr val="880015"/>
-              </a:solidFill>
-              <a:latin typeface="Oxygen" panose="02000503000000000000" pitchFamily="2" charset="0"/>
-            </a:endParaRPr>
           </a:p>
         </p:txBody>
       </p:sp>
@@ -10646,95 +10640,45 @@
           <a:chExt cx="0" cy="0"/>
         </a:xfrm>
       </p:grpSpPr>
-      <p:sp>
-        <p:nvSpPr>
-          <p:cNvPr id="15" name="Rectangle 14">
-            <a:extLst>
-              <a:ext uri="{FF2B5EF4-FFF2-40B4-BE49-F238E27FC236}">
-                <a16:creationId xmlns="" xmlns:a16="http://schemas.microsoft.com/office/drawing/2014/main" id="{FB2FF06D-C2EA-0C75-43F9-C7B58146B119}"/>
-              </a:ext>
-            </a:extLst>
-          </p:cNvPr>
-          <p:cNvSpPr/>
-          <p:nvPr/>
-        </p:nvSpPr>
-        <p:spPr>
-          <a:xfrm>
-            <a:off x="0" y="507860"/>
-            <a:ext cx="5346166" cy="2682234"/>
-          </a:xfrm>
-          <a:prstGeom prst="rect">
-            <a:avLst/>
-          </a:prstGeom>
-          <a:solidFill>
-            <a:schemeClr val="tx2">
-              <a:lumMod val="20000"/>
-              <a:lumOff val="80000"/>
-            </a:schemeClr>
-          </a:solidFill>
-          <a:ln>
-            <a:noFill/>
-          </a:ln>
-        </p:spPr>
-        <p:style>
-          <a:lnRef idx="2">
-            <a:schemeClr val="accent1">
-              <a:shade val="50000"/>
-            </a:schemeClr>
-          </a:lnRef>
-          <a:fillRef idx="1">
-            <a:schemeClr val="accent1"/>
-          </a:fillRef>
-          <a:effectRef idx="0">
-            <a:schemeClr val="accent1"/>
-          </a:effectRef>
-          <a:fontRef idx="minor">
-            <a:schemeClr val="lt1"/>
-          </a:fontRef>
-        </p:style>
-        <p:txBody>
-          <a:bodyPr rtlCol="0" anchor="ctr"/>
-          <a:lstStyle/>
-          <a:p>
-            <a:pPr algn="ctr"/>
-            <a:endParaRPr lang="en-AU"/>
-          </a:p>
-        </p:txBody>
-      </p:sp>
       <p:pic>
         <p:nvPicPr>
-          <p:cNvPr id="20" name="Picture 19">
-            <a:extLst>
-              <a:ext uri="{FF2B5EF4-FFF2-40B4-BE49-F238E27FC236}">
-                <a16:creationId xmlns="" xmlns:a16="http://schemas.microsoft.com/office/drawing/2014/main" id="{4CFC492A-2D71-A16A-772B-0B4373F3EB80}"/>
-              </a:ext>
-            </a:extLst>
-          </p:cNvPr>
+          <p:cNvPr id="1026" name="Picture 2" descr="What is the picture of success? | Pivotal Moments"/>
           <p:cNvPicPr>
-            <a:picLocks noChangeAspect="1"/>
+            <a:picLocks noChangeAspect="1" noChangeArrowheads="1"/>
           </p:cNvPicPr>
           <p:nvPr/>
         </p:nvPicPr>
         <p:blipFill>
-          <a:blip r:embed="rId2" cstate="print">
+          <a:blip r:embed="rId2">
             <a:extLst>
               <a:ext uri="{28A0092B-C50C-407E-A947-70E740481C1C}">
                 <a14:useLocalDpi xmlns:a14="http://schemas.microsoft.com/office/drawing/2010/main" val="0"/>
               </a:ext>
             </a:extLst>
           </a:blip>
+          <a:srcRect/>
           <a:stretch>
             <a:fillRect/>
           </a:stretch>
         </p:blipFill>
-        <p:spPr>
-          <a:xfrm>
-            <a:off x="1622162" y="1006420"/>
-            <a:ext cx="2139910" cy="1012273"/>
-          </a:xfrm>
-          <a:prstGeom prst="rect">
-            <a:avLst/>
-          </a:prstGeom>
+        <p:spPr bwMode="auto">
+          <a:xfrm>
+            <a:off x="-6813" y="673426"/>
+            <a:ext cx="5357308" cy="1946492"/>
+          </a:xfrm>
+          <a:prstGeom prst="rect">
+            <a:avLst/>
+          </a:prstGeom>
+          <a:noFill/>
+          <a:extLst>
+            <a:ext uri="{909E8E84-426E-40DD-AFC4-6F175D3DCCD1}">
+              <a14:hiddenFill xmlns:a14="http://schemas.microsoft.com/office/drawing/2010/main">
+                <a:solidFill>
+                  <a:srgbClr val="FFFFFF"/>
+                </a:solidFill>
+              </a14:hiddenFill>
+            </a:ext>
+          </a:extLst>
         </p:spPr>
       </p:pic>
       <p:sp>
@@ -10831,7 +10775,7 @@
         <p:spPr>
           <a:xfrm>
             <a:off x="11660" y="73262"/>
-            <a:ext cx="5346166" cy="630942"/>
+            <a:ext cx="5346166" cy="600164"/>
           </a:xfrm>
           <a:prstGeom prst="rect">
             <a:avLst/>
@@ -10846,7 +10790,7 @@
           <a:p>
             <a:pPr algn="ctr"/>
             <a:r>
-              <a:rPr lang="en-US" sz="3500" b="1" cap="small" dirty="0">
+              <a:rPr lang="en-US" sz="3300" b="1" cap="small" dirty="0" smtClean="0">
                 <a:ln w="6600">
                   <a:solidFill>
                     <a:srgbClr val="00FF00"/>
@@ -10871,9 +10815,9 @@
                 </a:effectLst>
                 <a:latin typeface="Oxygen" panose="02000503000000000000" pitchFamily="2" charset="0"/>
               </a:rPr>
-              <a:t>NEET IIT, VIII-XII</a:t>
-            </a:r>
-            <a:endParaRPr lang="en-AU" sz="3500" b="1" cap="small" dirty="0">
+              <a:t>NEET, IIT-JEE, Class VIII-XII</a:t>
+            </a:r>
+            <a:endParaRPr lang="en-AU" sz="3300" b="1" cap="small" dirty="0">
               <a:ln w="6600">
                 <a:solidFill>
                   <a:srgbClr val="00FF00"/>
@@ -10901,6 +10845,102 @@
           </a:p>
         </p:txBody>
       </p:sp>
+      <p:pic>
+        <p:nvPicPr>
+          <p:cNvPr id="20" name="Picture 19">
+            <a:extLst>
+              <a:ext uri="{FF2B5EF4-FFF2-40B4-BE49-F238E27FC236}">
+                <a16:creationId xmlns="" xmlns:a16="http://schemas.microsoft.com/office/drawing/2014/main" id="{4CFC492A-2D71-A16A-772B-0B4373F3EB80}"/>
+              </a:ext>
+            </a:extLst>
+          </p:cNvPr>
+          <p:cNvPicPr>
+            <a:picLocks noChangeAspect="1"/>
+          </p:cNvPicPr>
+          <p:nvPr/>
+        </p:nvPicPr>
+        <p:blipFill>
+          <a:blip r:embed="rId3" cstate="print">
+            <a:extLst>
+              <a:ext uri="{28A0092B-C50C-407E-A947-70E740481C1C}">
+                <a14:useLocalDpi xmlns:a14="http://schemas.microsoft.com/office/drawing/2010/main" val="0"/>
+              </a:ext>
+            </a:extLst>
+          </a:blip>
+          <a:stretch>
+            <a:fillRect/>
+          </a:stretch>
+        </p:blipFill>
+        <p:spPr>
+          <a:xfrm>
+            <a:off x="1635833" y="806905"/>
+            <a:ext cx="2139910" cy="1012273"/>
+          </a:xfrm>
+          <a:prstGeom prst="rect">
+            <a:avLst/>
+          </a:prstGeom>
+        </p:spPr>
+      </p:pic>
+      <p:pic>
+        <p:nvPicPr>
+          <p:cNvPr id="2" name="Picture 1"/>
+          <p:cNvPicPr>
+            <a:picLocks noChangeAspect="1"/>
+          </p:cNvPicPr>
+          <p:nvPr/>
+        </p:nvPicPr>
+        <p:blipFill>
+          <a:blip r:embed="rId4">
+            <a:extLst>
+              <a:ext uri="{28A0092B-C50C-407E-A947-70E740481C1C}">
+                <a14:useLocalDpi xmlns:a14="http://schemas.microsoft.com/office/drawing/2010/main" val="0"/>
+              </a:ext>
+            </a:extLst>
+          </a:blip>
+          <a:stretch>
+            <a:fillRect/>
+          </a:stretch>
+        </p:blipFill>
+        <p:spPr>
+          <a:xfrm rot="1251288">
+            <a:off x="-1117858" y="472699"/>
+            <a:ext cx="4890238" cy="2464141"/>
+          </a:xfrm>
+          <a:prstGeom prst="rect">
+            <a:avLst/>
+          </a:prstGeom>
+        </p:spPr>
+      </p:pic>
+      <p:pic>
+        <p:nvPicPr>
+          <p:cNvPr id="3" name="Picture 2"/>
+          <p:cNvPicPr>
+            <a:picLocks noChangeAspect="1"/>
+          </p:cNvPicPr>
+          <p:nvPr/>
+        </p:nvPicPr>
+        <p:blipFill>
+          <a:blip r:embed="rId5">
+            <a:extLst>
+              <a:ext uri="{28A0092B-C50C-407E-A947-70E740481C1C}">
+                <a14:useLocalDpi xmlns:a14="http://schemas.microsoft.com/office/drawing/2010/main" val="0"/>
+              </a:ext>
+            </a:extLst>
+          </a:blip>
+          <a:stretch>
+            <a:fillRect/>
+          </a:stretch>
+        </p:blipFill>
+        <p:spPr>
+          <a:xfrm rot="21236630">
+            <a:off x="3267496" y="-421204"/>
+            <a:ext cx="2328074" cy="3096930"/>
+          </a:xfrm>
+          <a:prstGeom prst="rect">
+            <a:avLst/>
+          </a:prstGeom>
+        </p:spPr>
+      </p:pic>
       <p:sp>
         <p:nvSpPr>
           <p:cNvPr id="21" name="Rectangle 20">
@@ -11047,7 +11087,7 @@
           <p:nvPr/>
         </p:nvPicPr>
         <p:blipFill>
-          <a:blip r:embed="rId3" cstate="print">
+          <a:blip r:embed="rId6" cstate="print">
             <a:extLst>
               <a:ext uri="{28A0092B-C50C-407E-A947-70E740481C1C}">
                 <a14:useLocalDpi xmlns:a14="http://schemas.microsoft.com/office/drawing/2010/main" val="0"/>
@@ -11094,7 +11134,7 @@
           <p:nvPr/>
         </p:nvPicPr>
         <p:blipFill>
-          <a:blip r:embed="rId4" cstate="print">
+          <a:blip r:embed="rId7" cstate="print">
             <a:extLst>
               <a:ext uri="{28A0092B-C50C-407E-A947-70E740481C1C}">
                 <a14:useLocalDpi xmlns:a14="http://schemas.microsoft.com/office/drawing/2010/main" val="0"/>
@@ -11141,7 +11181,7 @@
           <p:nvPr/>
         </p:nvPicPr>
         <p:blipFill>
-          <a:blip r:embed="rId5" cstate="print">
+          <a:blip r:embed="rId8" cstate="print">
             <a:extLst>
               <a:ext uri="{28A0092B-C50C-407E-A947-70E740481C1C}">
                 <a14:useLocalDpi xmlns:a14="http://schemas.microsoft.com/office/drawing/2010/main" val="0"/>
@@ -11188,7 +11228,7 @@
           <p:nvPr/>
         </p:nvPicPr>
         <p:blipFill>
-          <a:blip r:embed="rId6" cstate="print">
+          <a:blip r:embed="rId9" cstate="print">
             <a:extLst>
               <a:ext uri="{28A0092B-C50C-407E-A947-70E740481C1C}">
                 <a14:useLocalDpi xmlns:a14="http://schemas.microsoft.com/office/drawing/2010/main" val="0"/>
@@ -11373,7 +11413,7 @@
             <a:r>
               <a:rPr lang="en-US" sz="1000" b="1" dirty="0">
                 <a:solidFill>
-                  <a:srgbClr val="00B050"/>
+                  <a:srgbClr val="0070C0"/>
                 </a:solidFill>
                 <a:latin typeface="Oxygen" panose="02000503000000000000" pitchFamily="2" charset="0"/>
               </a:rPr>
@@ -11381,7 +11421,7 @@
             </a:r>
             <a:endParaRPr lang="en-AU" sz="1000" dirty="0">
               <a:solidFill>
-                <a:srgbClr val="00B050"/>
+                <a:srgbClr val="0070C0"/>
               </a:solidFill>
             </a:endParaRPr>
           </a:p>
@@ -11402,7 +11442,7 @@
           <p:nvPr/>
         </p:nvPicPr>
         <p:blipFill>
-          <a:blip r:embed="rId7" cstate="print">
+          <a:blip r:embed="rId10" cstate="print">
             <a:extLst>
               <a:ext uri="{28A0092B-C50C-407E-A947-70E740481C1C}">
                 <a14:useLocalDpi xmlns:a14="http://schemas.microsoft.com/office/drawing/2010/main" val="0"/>
@@ -11559,7 +11599,7 @@
           <p:nvPr/>
         </p:nvPicPr>
         <p:blipFill>
-          <a:blip r:embed="rId8" cstate="print">
+          <a:blip r:embed="rId11" cstate="print">
             <a:extLst>
               <a:ext uri="{28A0092B-C50C-407E-A947-70E740481C1C}">
                 <a14:useLocalDpi xmlns:a14="http://schemas.microsoft.com/office/drawing/2010/main" val="0"/>
@@ -11606,7 +11646,7 @@
           <p:nvPr/>
         </p:nvPicPr>
         <p:blipFill>
-          <a:blip r:embed="rId9"/>
+          <a:blip r:embed="rId12"/>
           <a:stretch>
             <a:fillRect/>
           </a:stretch>
@@ -11789,6 +11829,342 @@
               </a:rPr>
               <a:t> </a:t>
             </a:r>
+          </a:p>
+        </p:txBody>
+      </p:sp>
+      <p:sp>
+        <p:nvSpPr>
+          <p:cNvPr id="5" name="Can 4"/>
+          <p:cNvSpPr/>
+          <p:nvPr/>
+        </p:nvSpPr>
+        <p:spPr>
+          <a:xfrm>
+            <a:off x="194147" y="2953615"/>
+            <a:ext cx="4754729" cy="3300052"/>
+          </a:xfrm>
+          <a:prstGeom prst="can">
+            <a:avLst>
+              <a:gd name="adj" fmla="val 50000"/>
+            </a:avLst>
+          </a:prstGeom>
+          <a:solidFill>
+            <a:schemeClr val="bg1">
+              <a:lumMod val="85000"/>
+            </a:schemeClr>
+          </a:solidFill>
+          <a:ln>
+            <a:noFill/>
+          </a:ln>
+          <a:effectLst>
+            <a:softEdge rad="215900"/>
+          </a:effectLst>
+        </p:spPr>
+        <p:style>
+          <a:lnRef idx="2">
+            <a:schemeClr val="accent1">
+              <a:shade val="50000"/>
+            </a:schemeClr>
+          </a:lnRef>
+          <a:fillRef idx="1">
+            <a:schemeClr val="accent1"/>
+          </a:fillRef>
+          <a:effectRef idx="0">
+            <a:schemeClr val="accent1"/>
+          </a:effectRef>
+          <a:fontRef idx="minor">
+            <a:schemeClr val="lt1"/>
+          </a:fontRef>
+        </p:style>
+        <p:txBody>
+          <a:bodyPr rtlCol="0" anchor="ctr"/>
+          <a:lstStyle/>
+          <a:p>
+            <a:pPr algn="ctr"/>
+            <a:endParaRPr lang="en-US"/>
+          </a:p>
+        </p:txBody>
+      </p:sp>
+      <p:sp>
+        <p:nvSpPr>
+          <p:cNvPr id="26" name="Diamond 25"/>
+          <p:cNvSpPr/>
+          <p:nvPr/>
+        </p:nvSpPr>
+        <p:spPr>
+          <a:xfrm>
+            <a:off x="-1959821" y="2518831"/>
+            <a:ext cx="9100552" cy="2717259"/>
+          </a:xfrm>
+          <a:prstGeom prst="diamond">
+            <a:avLst/>
+          </a:prstGeom>
+          <a:solidFill>
+            <a:schemeClr val="bg1">
+              <a:lumMod val="95000"/>
+            </a:schemeClr>
+          </a:solidFill>
+          <a:ln>
+            <a:noFill/>
+          </a:ln>
+          <a:effectLst>
+            <a:softEdge rad="215900"/>
+          </a:effectLst>
+        </p:spPr>
+        <p:style>
+          <a:lnRef idx="2">
+            <a:schemeClr val="accent1">
+              <a:shade val="50000"/>
+            </a:schemeClr>
+          </a:lnRef>
+          <a:fillRef idx="1">
+            <a:schemeClr val="accent1"/>
+          </a:fillRef>
+          <a:effectRef idx="0">
+            <a:schemeClr val="accent1"/>
+          </a:effectRef>
+          <a:fontRef idx="minor">
+            <a:schemeClr val="lt1"/>
+          </a:fontRef>
+        </p:style>
+        <p:txBody>
+          <a:bodyPr rtlCol="0" anchor="ctr"/>
+          <a:lstStyle/>
+          <a:p>
+            <a:pPr algn="ctr"/>
+            <a:endParaRPr lang="en-US"/>
+          </a:p>
+        </p:txBody>
+      </p:sp>
+      <p:pic>
+        <p:nvPicPr>
+          <p:cNvPr id="17" name="Picture 16"/>
+          <p:cNvPicPr>
+            <a:picLocks noChangeAspect="1"/>
+          </p:cNvPicPr>
+          <p:nvPr/>
+        </p:nvPicPr>
+        <p:blipFill>
+          <a:blip r:embed="rId13">
+            <a:extLst>
+              <a:ext uri="{28A0092B-C50C-407E-A947-70E740481C1C}">
+                <a14:useLocalDpi xmlns:a14="http://schemas.microsoft.com/office/drawing/2010/main" val="0"/>
+              </a:ext>
+            </a:extLst>
+          </a:blip>
+          <a:stretch>
+            <a:fillRect/>
+          </a:stretch>
+        </p:blipFill>
+        <p:spPr>
+          <a:xfrm rot="154931">
+            <a:off x="-581732" y="2048146"/>
+            <a:ext cx="2816969" cy="3808549"/>
+          </a:xfrm>
+          <a:prstGeom prst="rect">
+            <a:avLst/>
+          </a:prstGeom>
+        </p:spPr>
+      </p:pic>
+      <p:pic>
+        <p:nvPicPr>
+          <p:cNvPr id="4" name="Picture 3"/>
+          <p:cNvPicPr>
+            <a:picLocks noChangeAspect="1"/>
+          </p:cNvPicPr>
+          <p:nvPr/>
+        </p:nvPicPr>
+        <p:blipFill>
+          <a:blip r:embed="rId14">
+            <a:extLst>
+              <a:ext uri="{28A0092B-C50C-407E-A947-70E740481C1C}">
+                <a14:useLocalDpi xmlns:a14="http://schemas.microsoft.com/office/drawing/2010/main" val="0"/>
+              </a:ext>
+            </a:extLst>
+          </a:blip>
+          <a:stretch>
+            <a:fillRect/>
+          </a:stretch>
+        </p:blipFill>
+        <p:spPr>
+          <a:xfrm rot="20825373">
+            <a:off x="2976252" y="1146009"/>
+            <a:ext cx="3344906" cy="4996295"/>
+          </a:xfrm>
+          <a:prstGeom prst="rect">
+            <a:avLst/>
+          </a:prstGeom>
+        </p:spPr>
+      </p:pic>
+      <p:sp>
+        <p:nvSpPr>
+          <p:cNvPr id="22" name="Rectangle 21"/>
+          <p:cNvSpPr/>
+          <p:nvPr/>
+        </p:nvSpPr>
+        <p:spPr>
+          <a:xfrm>
+            <a:off x="823549" y="4979116"/>
+            <a:ext cx="3664121" cy="830997"/>
+          </a:xfrm>
+          <a:prstGeom prst="rect">
+            <a:avLst/>
+          </a:prstGeom>
+        </p:spPr>
+        <p:txBody>
+          <a:bodyPr wrap="square">
+            <a:spAutoFit/>
+          </a:bodyPr>
+          <a:lstStyle/>
+          <a:p>
+            <a:pPr algn="ctr"/>
+            <a:r>
+              <a:rPr lang="en-US" sz="1200" b="1" cap="small" dirty="0">
+                <a:solidFill>
+                  <a:srgbClr val="880015"/>
+                </a:solidFill>
+                <a:latin typeface="Oxygen" panose="02000503000000000000" pitchFamily="2" charset="0"/>
+              </a:rPr>
+              <a:t>Finest Teachers from Best Institutes</a:t>
+            </a:r>
+          </a:p>
+          <a:p>
+            <a:pPr algn="ctr"/>
+            <a:r>
+              <a:rPr lang="en-US" sz="1200" b="1" cap="small" dirty="0">
+                <a:solidFill>
+                  <a:srgbClr val="880015"/>
+                </a:solidFill>
+                <a:latin typeface="Oxygen" panose="02000503000000000000" pitchFamily="2" charset="0"/>
+              </a:rPr>
+              <a:t>Smart Classrooms, AC, CCTV, Latest Techniques</a:t>
+            </a:r>
+          </a:p>
+          <a:p>
+            <a:pPr algn="ctr"/>
+            <a:r>
+              <a:rPr lang="en-US" sz="1200" b="1" cap="small" dirty="0">
+                <a:solidFill>
+                  <a:srgbClr val="880015"/>
+                </a:solidFill>
+                <a:latin typeface="Oxygen" panose="02000503000000000000" pitchFamily="2" charset="0"/>
+              </a:rPr>
+              <a:t>Doubt Clearing, Mock Tests, PTM, Counselling</a:t>
+            </a:r>
+          </a:p>
+          <a:p>
+            <a:pPr algn="ctr"/>
+            <a:r>
+              <a:rPr lang="en-US" sz="1200" b="1" cap="small" dirty="0">
+                <a:solidFill>
+                  <a:srgbClr val="880015"/>
+                </a:solidFill>
+                <a:latin typeface="Oxygen" panose="02000503000000000000" pitchFamily="2" charset="0"/>
+              </a:rPr>
+              <a:t>International Management, App Arriving Soon</a:t>
+            </a:r>
+          </a:p>
+        </p:txBody>
+      </p:sp>
+      <p:sp>
+        <p:nvSpPr>
+          <p:cNvPr id="15" name="Rectangle 14"/>
+          <p:cNvSpPr/>
+          <p:nvPr/>
+        </p:nvSpPr>
+        <p:spPr>
+          <a:xfrm>
+            <a:off x="785402" y="2929936"/>
+            <a:ext cx="3610105" cy="1600438"/>
+          </a:xfrm>
+          <a:prstGeom prst="rect">
+            <a:avLst/>
+          </a:prstGeom>
+        </p:spPr>
+        <p:txBody>
+          <a:bodyPr wrap="square">
+            <a:spAutoFit/>
+          </a:bodyPr>
+          <a:lstStyle/>
+          <a:p>
+            <a:pPr algn="ctr">
+              <a:lnSpc>
+                <a:spcPct val="150000"/>
+              </a:lnSpc>
+            </a:pPr>
+            <a:r>
+              <a:rPr lang="en-US" b="1" cap="small" dirty="0" smtClean="0">
+                <a:solidFill>
+                  <a:srgbClr val="0070C0"/>
+                </a:solidFill>
+                <a:latin typeface="Oxygen" panose="02000503000000000000" pitchFamily="2" charset="0"/>
+              </a:rPr>
+              <a:t>NEET</a:t>
+            </a:r>
+          </a:p>
+          <a:p>
+            <a:pPr algn="ctr">
+              <a:lnSpc>
+                <a:spcPct val="150000"/>
+              </a:lnSpc>
+            </a:pPr>
+            <a:r>
+              <a:rPr lang="en-US" b="1" cap="small" dirty="0" smtClean="0">
+                <a:solidFill>
+                  <a:srgbClr val="0070C0"/>
+                </a:solidFill>
+                <a:latin typeface="Oxygen" panose="02000503000000000000" pitchFamily="2" charset="0"/>
+              </a:rPr>
+              <a:t>IIT-JEE (Mains &amp; Advance)</a:t>
+            </a:r>
+          </a:p>
+          <a:p>
+            <a:pPr algn="ctr"/>
+            <a:endParaRPr lang="en-US" sz="800" b="1" cap="small" dirty="0" smtClean="0">
+              <a:solidFill>
+                <a:srgbClr val="0070C0"/>
+              </a:solidFill>
+              <a:latin typeface="Oxygen" panose="02000503000000000000" pitchFamily="2" charset="0"/>
+            </a:endParaRPr>
+          </a:p>
+          <a:p>
+            <a:pPr algn="ctr"/>
+            <a:r>
+              <a:rPr lang="en-US" b="1" cap="small" dirty="0" smtClean="0">
+                <a:solidFill>
+                  <a:srgbClr val="0070C0"/>
+                </a:solidFill>
+                <a:latin typeface="Oxygen" panose="02000503000000000000" pitchFamily="2" charset="0"/>
+              </a:rPr>
+              <a:t>VIII-XII – ICSE/CBSE/WB</a:t>
+            </a:r>
+          </a:p>
+          <a:p>
+            <a:pPr algn="ctr"/>
+            <a:r>
+              <a:rPr lang="en-US" b="1" cap="small" dirty="0">
+                <a:solidFill>
+                  <a:srgbClr val="0070C0"/>
+                </a:solidFill>
+                <a:latin typeface="Oxygen" panose="02000503000000000000" pitchFamily="2" charset="0"/>
+              </a:rPr>
+              <a:t>Science, Arts, </a:t>
+            </a:r>
+            <a:r>
+              <a:rPr lang="en-US" b="1" cap="small" dirty="0" smtClean="0">
+                <a:solidFill>
+                  <a:srgbClr val="0070C0"/>
+                </a:solidFill>
+                <a:latin typeface="Oxygen" panose="02000503000000000000" pitchFamily="2" charset="0"/>
+              </a:rPr>
+              <a:t>Commerce</a:t>
+            </a:r>
+            <a:endParaRPr lang="en-US" b="1" cap="small" dirty="0">
+              <a:solidFill>
+                <a:srgbClr val="0070C0"/>
+              </a:solidFill>
+              <a:latin typeface="Oxygen" panose="02000503000000000000" pitchFamily="2" charset="0"/>
+            </a:endParaRPr>
           </a:p>
         </p:txBody>
       </p:sp>

--- a/Offline/BusinessManagement/MarketingArtworks/A-4-Div-2-Flyers.pptx
+++ b/Offline/BusinessManagement/MarketingArtworks/A-4-Div-2-Flyers.pptx
@@ -9020,61 +9020,6 @@
           <a:chExt cx="0" cy="0"/>
         </a:xfrm>
       </p:grpSpPr>
-      <p:sp>
-        <p:nvSpPr>
-          <p:cNvPr id="15" name="Rectangle 14">
-            <a:extLst>
-              <a:ext uri="{FF2B5EF4-FFF2-40B4-BE49-F238E27FC236}">
-                <a16:creationId xmlns:a16="http://schemas.microsoft.com/office/drawing/2014/main" id="{FB2FF06D-C2EA-0C75-43F9-C7B58146B119}"/>
-              </a:ext>
-            </a:extLst>
-          </p:cNvPr>
-          <p:cNvSpPr/>
-          <p:nvPr/>
-        </p:nvSpPr>
-        <p:spPr>
-          <a:xfrm>
-            <a:off x="0" y="507860"/>
-            <a:ext cx="5346166" cy="2682234"/>
-          </a:xfrm>
-          <a:prstGeom prst="rect">
-            <a:avLst/>
-          </a:prstGeom>
-          <a:solidFill>
-            <a:schemeClr val="tx2">
-              <a:lumMod val="20000"/>
-              <a:lumOff val="80000"/>
-            </a:schemeClr>
-          </a:solidFill>
-          <a:ln>
-            <a:noFill/>
-          </a:ln>
-        </p:spPr>
-        <p:style>
-          <a:lnRef idx="2">
-            <a:schemeClr val="accent1">
-              <a:shade val="50000"/>
-            </a:schemeClr>
-          </a:lnRef>
-          <a:fillRef idx="1">
-            <a:schemeClr val="accent1"/>
-          </a:fillRef>
-          <a:effectRef idx="0">
-            <a:schemeClr val="accent1"/>
-          </a:effectRef>
-          <a:fontRef idx="minor">
-            <a:schemeClr val="lt1"/>
-          </a:fontRef>
-        </p:style>
-        <p:txBody>
-          <a:bodyPr rtlCol="0" anchor="ctr"/>
-          <a:lstStyle/>
-          <a:p>
-            <a:pPr algn="ctr"/>
-            <a:endParaRPr lang="en-AU"/>
-          </a:p>
-        </p:txBody>
-      </p:sp>
       <p:pic>
         <p:nvPicPr>
           <p:cNvPr id="20" name="Picture 19">
@@ -9204,8 +9149,8 @@
         </p:nvSpPr>
         <p:spPr>
           <a:xfrm>
-            <a:off x="11660" y="73262"/>
-            <a:ext cx="5346166" cy="630942"/>
+            <a:off x="11660" y="1699"/>
+            <a:ext cx="5346166" cy="800219"/>
           </a:xfrm>
           <a:prstGeom prst="rect">
             <a:avLst/>
@@ -9220,7 +9165,7 @@
           <a:p>
             <a:pPr algn="ctr"/>
             <a:r>
-              <a:rPr lang="en-US" sz="3500" b="1" cap="small" dirty="0">
+              <a:rPr lang="en-US" sz="4600" b="1" cap="small" dirty="0">
                 <a:ln w="6600">
                   <a:solidFill>
                     <a:srgbClr val="00FF00"/>
@@ -9245,9 +9190,9 @@
                 </a:effectLst>
                 <a:latin typeface="Oxygen" panose="02000503000000000000" pitchFamily="2" charset="0"/>
               </a:rPr>
-              <a:t>Commerce</a:t>
-            </a:r>
-            <a:endParaRPr lang="en-AU" sz="3500" b="1" cap="small" dirty="0">
+              <a:t>Commerce Tuitions</a:t>
+            </a:r>
+            <a:endParaRPr lang="en-AU" sz="4600" b="1" cap="small" dirty="0">
               <a:ln w="6600">
                 <a:solidFill>
                   <a:srgbClr val="00FF00"/>
@@ -9275,6 +9220,78 @@
           </a:p>
         </p:txBody>
       </p:sp>
+      <p:pic>
+        <p:nvPicPr>
+          <p:cNvPr id="5" name="Picture 4">
+            <a:extLst>
+              <a:ext uri="{FF2B5EF4-FFF2-40B4-BE49-F238E27FC236}">
+                <a16:creationId xmlns:a16="http://schemas.microsoft.com/office/drawing/2014/main" id="{8F2B2AD4-CF5B-7FBD-34BB-1EBB9349F25E}"/>
+              </a:ext>
+            </a:extLst>
+          </p:cNvPr>
+          <p:cNvPicPr>
+            <a:picLocks noChangeAspect="1"/>
+          </p:cNvPicPr>
+          <p:nvPr/>
+        </p:nvPicPr>
+        <p:blipFill>
+          <a:blip r:embed="rId3">
+            <a:extLst>
+              <a:ext uri="{28A0092B-C50C-407E-A947-70E740481C1C}">
+                <a14:useLocalDpi xmlns:a14="http://schemas.microsoft.com/office/drawing/2010/main" val="0"/>
+              </a:ext>
+            </a:extLst>
+          </a:blip>
+          <a:stretch>
+            <a:fillRect/>
+          </a:stretch>
+        </p:blipFill>
+        <p:spPr>
+          <a:xfrm>
+            <a:off x="-254148" y="-69098"/>
+            <a:ext cx="2816969" cy="3753790"/>
+          </a:xfrm>
+          <a:prstGeom prst="rect">
+            <a:avLst/>
+          </a:prstGeom>
+        </p:spPr>
+      </p:pic>
+      <p:pic>
+        <p:nvPicPr>
+          <p:cNvPr id="22" name="Picture 21">
+            <a:extLst>
+              <a:ext uri="{FF2B5EF4-FFF2-40B4-BE49-F238E27FC236}">
+                <a16:creationId xmlns:a16="http://schemas.microsoft.com/office/drawing/2014/main" id="{00498E8D-F30C-EE48-F134-6FF843130C13}"/>
+              </a:ext>
+            </a:extLst>
+          </p:cNvPr>
+          <p:cNvPicPr>
+            <a:picLocks noChangeAspect="1"/>
+          </p:cNvPicPr>
+          <p:nvPr/>
+        </p:nvPicPr>
+        <p:blipFill>
+          <a:blip r:embed="rId4">
+            <a:extLst>
+              <a:ext uri="{28A0092B-C50C-407E-A947-70E740481C1C}">
+                <a14:useLocalDpi xmlns:a14="http://schemas.microsoft.com/office/drawing/2010/main" val="0"/>
+              </a:ext>
+            </a:extLst>
+          </a:blip>
+          <a:stretch>
+            <a:fillRect/>
+          </a:stretch>
+        </p:blipFill>
+        <p:spPr>
+          <a:xfrm flipH="1">
+            <a:off x="5600313" y="1932847"/>
+            <a:ext cx="5137895" cy="2464141"/>
+          </a:xfrm>
+          <a:prstGeom prst="rect">
+            <a:avLst/>
+          </a:prstGeom>
+        </p:spPr>
+      </p:pic>
       <p:sp>
         <p:nvSpPr>
           <p:cNvPr id="21" name="Rectangle 20">
@@ -9421,7 +9438,7 @@
           <p:nvPr/>
         </p:nvPicPr>
         <p:blipFill>
-          <a:blip r:embed="rId3" cstate="print">
+          <a:blip r:embed="rId5" cstate="print">
             <a:extLst>
               <a:ext uri="{28A0092B-C50C-407E-A947-70E740481C1C}">
                 <a14:useLocalDpi xmlns:a14="http://schemas.microsoft.com/office/drawing/2010/main" val="0"/>
@@ -9468,7 +9485,7 @@
           <p:nvPr/>
         </p:nvPicPr>
         <p:blipFill>
-          <a:blip r:embed="rId4" cstate="print">
+          <a:blip r:embed="rId6" cstate="print">
             <a:extLst>
               <a:ext uri="{28A0092B-C50C-407E-A947-70E740481C1C}">
                 <a14:useLocalDpi xmlns:a14="http://schemas.microsoft.com/office/drawing/2010/main" val="0"/>
@@ -9515,7 +9532,7 @@
           <p:nvPr/>
         </p:nvPicPr>
         <p:blipFill>
-          <a:blip r:embed="rId5" cstate="print">
+          <a:blip r:embed="rId7" cstate="print">
             <a:extLst>
               <a:ext uri="{28A0092B-C50C-407E-A947-70E740481C1C}">
                 <a14:useLocalDpi xmlns:a14="http://schemas.microsoft.com/office/drawing/2010/main" val="0"/>
@@ -9562,7 +9579,7 @@
           <p:nvPr/>
         </p:nvPicPr>
         <p:blipFill>
-          <a:blip r:embed="rId6" cstate="print">
+          <a:blip r:embed="rId8" cstate="print">
             <a:extLst>
               <a:ext uri="{28A0092B-C50C-407E-A947-70E740481C1C}">
                 <a14:useLocalDpi xmlns:a14="http://schemas.microsoft.com/office/drawing/2010/main" val="0"/>
@@ -9772,7 +9789,7 @@
           <p:nvPr/>
         </p:nvPicPr>
         <p:blipFill>
-          <a:blip r:embed="rId7" cstate="print">
+          <a:blip r:embed="rId9" cstate="print">
             <a:extLst>
               <a:ext uri="{28A0092B-C50C-407E-A947-70E740481C1C}">
                 <a14:useLocalDpi xmlns:a14="http://schemas.microsoft.com/office/drawing/2010/main" val="0"/>
@@ -9929,7 +9946,7 @@
           <p:nvPr/>
         </p:nvPicPr>
         <p:blipFill>
-          <a:blip r:embed="rId8">
+          <a:blip r:embed="rId10">
             <a:extLst>
               <a:ext uri="{28A0092B-C50C-407E-A947-70E740481C1C}">
                 <a14:useLocalDpi xmlns:a14="http://schemas.microsoft.com/office/drawing/2010/main" val="0"/>
@@ -9976,7 +9993,7 @@
           <p:nvPr/>
         </p:nvPicPr>
         <p:blipFill>
-          <a:blip r:embed="rId9"/>
+          <a:blip r:embed="rId11"/>
           <a:stretch>
             <a:fillRect/>
           </a:stretch>
